--- a/Javascript y JQuery.pptx
+++ b/Javascript y JQuery.pptx
@@ -5,7 +5,7 @@
     <p:sldMasterId id="2147483648" r:id="rId1"/>
   </p:sldMasterIdLst>
   <p:notesMasterIdLst>
-    <p:notesMasterId r:id="rId60"/>
+    <p:notesMasterId r:id="rId50"/>
   </p:notesMasterIdLst>
   <p:sldIdLst>
     <p:sldId id="257" r:id="rId2"/>
@@ -56,16 +56,6 @@
     <p:sldId id="302" r:id="rId47"/>
     <p:sldId id="303" r:id="rId48"/>
     <p:sldId id="304" r:id="rId49"/>
-    <p:sldId id="305" r:id="rId50"/>
-    <p:sldId id="306" r:id="rId51"/>
-    <p:sldId id="307" r:id="rId52"/>
-    <p:sldId id="308" r:id="rId53"/>
-    <p:sldId id="309" r:id="rId54"/>
-    <p:sldId id="310" r:id="rId55"/>
-    <p:sldId id="311" r:id="rId56"/>
-    <p:sldId id="312" r:id="rId57"/>
-    <p:sldId id="313" r:id="rId58"/>
-    <p:sldId id="314" r:id="rId59"/>
   </p:sldIdLst>
   <p:sldSz cx="9144000" cy="6858000" type="screen4x3"/>
   <p:notesSz cx="6858000" cy="9144000"/>
@@ -19103,7 +19093,7 @@
         </p:nvSpPr>
         <p:spPr>
           <a:xfrm>
-            <a:off x="1331640" y="3363286"/>
+            <a:off x="1331640" y="3212976"/>
             <a:ext cx="1510613" cy="288000"/>
           </a:xfrm>
           <a:prstGeom prst="rect">
@@ -19271,8 +19261,8 @@
         </p:nvSpPr>
         <p:spPr>
           <a:xfrm>
-            <a:off x="899592" y="2996952"/>
-            <a:ext cx="1080120" cy="366334"/>
+            <a:off x="899592" y="2805906"/>
+            <a:ext cx="1368152" cy="341356"/>
           </a:xfrm>
           <a:prstGeom prst="rect">
             <a:avLst/>
@@ -25661,156 +25651,6 @@
 </p:sld>
 </file>
 
-<file path=ppt/slides/slide49.xml><?xml version="1.0" encoding="utf-8"?>
-<p:sld xmlns:a="http://schemas.openxmlformats.org/drawingml/2006/main" xmlns:r="http://schemas.openxmlformats.org/officeDocument/2006/relationships" xmlns:p="http://schemas.openxmlformats.org/presentationml/2006/main">
-  <p:cSld>
-    <p:spTree>
-      <p:nvGrpSpPr>
-        <p:cNvPr id="1" name=""/>
-        <p:cNvGrpSpPr/>
-        <p:nvPr/>
-      </p:nvGrpSpPr>
-      <p:grpSpPr>
-        <a:xfrm>
-          <a:off x="0" y="0"/>
-          <a:ext cx="0" cy="0"/>
-          <a:chOff x="0" y="0"/>
-          <a:chExt cx="0" cy="0"/>
-        </a:xfrm>
-      </p:grpSpPr>
-      <p:sp>
-        <p:nvSpPr>
-          <p:cNvPr id="19458" name="Title 4"/>
-          <p:cNvSpPr>
-            <a:spLocks noGrp="1"/>
-          </p:cNvSpPr>
-          <p:nvPr>
-            <p:ph type="ctrTitle"/>
-          </p:nvPr>
-        </p:nvSpPr>
-        <p:spPr bwMode="auto">
-          <a:xfrm>
-            <a:off x="820738" y="2979738"/>
-            <a:ext cx="6475412" cy="1066800"/>
-          </a:xfrm>
-          <a:noFill/>
-          <a:extLst>
-            <a:ext uri="{909E8E84-426E-40DD-AFC4-6F175D3DCCD1}">
-              <a14:hiddenFill xmlns:a14="http://schemas.microsoft.com/office/drawing/2010/main">
-                <a:solidFill>
-                  <a:srgbClr val="FFFFFF"/>
-                </a:solidFill>
-              </a14:hiddenFill>
-            </a:ext>
-            <a:ext uri="{91240B29-F687-4F45-9708-019B960494DF}">
-              <a14:hiddenLine xmlns:a14="http://schemas.microsoft.com/office/drawing/2010/main" w="9525">
-                <a:solidFill>
-                  <a:srgbClr val="000000"/>
-                </a:solidFill>
-                <a:miter lim="800000"/>
-                <a:headEnd/>
-                <a:tailEnd/>
-              </a14:hiddenLine>
-            </a:ext>
-          </a:extLst>
-        </p:spPr>
-        <p:txBody>
-          <a:bodyPr vert="horz" wrap="square" lIns="91440" tIns="45720" rIns="91440" bIns="45720" numCol="1" anchor="t" anchorCtr="0" compatLnSpc="1">
-            <a:prstTxWarp prst="textNoShape">
-              <a:avLst/>
-            </a:prstTxWarp>
-          </a:bodyPr>
-          <a:lstStyle/>
-          <a:p>
-            <a:r>
-              <a:rPr lang="es-MX" sz="3200" dirty="0" err="1" smtClean="0">
-                <a:solidFill>
-                  <a:schemeClr val="accent1"/>
-                </a:solidFill>
-                <a:latin typeface="Arial" charset="0"/>
-                <a:cs typeface="Arial" charset="0"/>
-              </a:rPr>
-              <a:t>Plugins</a:t>
-            </a:r>
-            <a:r>
-              <a:rPr lang="es-MX" sz="3200" dirty="0" smtClean="0">
-                <a:solidFill>
-                  <a:schemeClr val="accent1"/>
-                </a:solidFill>
-                <a:latin typeface="Arial" charset="0"/>
-                <a:cs typeface="Arial" charset="0"/>
-              </a:rPr>
-              <a:t> de </a:t>
-            </a:r>
-            <a:r>
-              <a:rPr lang="es-MX" sz="3200" dirty="0" err="1" smtClean="0">
-                <a:solidFill>
-                  <a:schemeClr val="accent1"/>
-                </a:solidFill>
-                <a:latin typeface="Arial" charset="0"/>
-                <a:cs typeface="Arial" charset="0"/>
-              </a:rPr>
-              <a:t>jQuery</a:t>
-            </a:r>
-            <a:endParaRPr lang="es-MX" dirty="0" smtClean="0">
-              <a:solidFill>
-                <a:schemeClr val="accent1"/>
-              </a:solidFill>
-              <a:latin typeface="Arial" charset="0"/>
-              <a:cs typeface="Arial" charset="0"/>
-            </a:endParaRPr>
-          </a:p>
-        </p:txBody>
-      </p:sp>
-      <p:sp>
-        <p:nvSpPr>
-          <p:cNvPr id="3" name="Slide Number Placeholder 2"/>
-          <p:cNvSpPr>
-            <a:spLocks noGrp="1"/>
-          </p:cNvSpPr>
-          <p:nvPr>
-            <p:ph type="sldNum" sz="quarter" idx="10"/>
-          </p:nvPr>
-        </p:nvSpPr>
-        <p:spPr/>
-        <p:txBody>
-          <a:bodyPr/>
-          <a:lstStyle/>
-          <a:p>
-            <a:pPr>
-              <a:defRPr/>
-            </a:pPr>
-            <a:fld id="{9C1DACEE-AB59-47E9-80AF-F1A9606B1885}" type="slidenum">
-              <a:rPr lang="es-MX" smtClean="0"/>
-              <a:pPr>
-                <a:defRPr/>
-              </a:pPr>
-              <a:t>49</a:t>
-            </a:fld>
-            <a:endParaRPr lang="es-MX"/>
-          </a:p>
-        </p:txBody>
-      </p:sp>
-    </p:spTree>
-    <p:extLst>
-      <p:ext uri="{BB962C8B-B14F-4D97-AF65-F5344CB8AC3E}">
-        <p14:creationId xmlns:p14="http://schemas.microsoft.com/office/powerpoint/2010/main" val="3689780375"/>
-      </p:ext>
-    </p:extLst>
-  </p:cSld>
-  <p:clrMapOvr>
-    <a:masterClrMapping/>
-  </p:clrMapOvr>
-  <p:timing>
-    <p:tnLst>
-      <p:par>
-        <p:cTn id="1" dur="indefinite" restart="never" nodeType="tmRoot"/>
-      </p:par>
-    </p:tnLst>
-  </p:timing>
-</p:sld>
-</file>
-
 <file path=ppt/slides/slide5.xml><?xml version="1.0" encoding="utf-8"?>
 <p:sld xmlns:a="http://schemas.openxmlformats.org/drawingml/2006/main" xmlns:r="http://schemas.openxmlformats.org/officeDocument/2006/relationships" xmlns:p="http://schemas.openxmlformats.org/presentationml/2006/main">
   <p:cSld>
@@ -26121,3373 +25961,6 @@
     <p:extLst>
       <p:ext uri="{BB962C8B-B14F-4D97-AF65-F5344CB8AC3E}">
         <p14:creationId xmlns:p14="http://schemas.microsoft.com/office/powerpoint/2010/main" val="1630626226"/>
-      </p:ext>
-    </p:extLst>
-  </p:cSld>
-  <p:clrMapOvr>
-    <a:masterClrMapping/>
-  </p:clrMapOvr>
-  <p:timing>
-    <p:tnLst>
-      <p:par>
-        <p:cTn id="1" dur="indefinite" restart="never" nodeType="tmRoot"/>
-      </p:par>
-    </p:tnLst>
-  </p:timing>
-</p:sld>
-</file>
-
-<file path=ppt/slides/slide50.xml><?xml version="1.0" encoding="utf-8"?>
-<p:sld xmlns:a="http://schemas.openxmlformats.org/drawingml/2006/main" xmlns:r="http://schemas.openxmlformats.org/officeDocument/2006/relationships" xmlns:p="http://schemas.openxmlformats.org/presentationml/2006/main">
-  <p:cSld>
-    <p:spTree>
-      <p:nvGrpSpPr>
-        <p:cNvPr id="1" name=""/>
-        <p:cNvGrpSpPr/>
-        <p:nvPr/>
-      </p:nvGrpSpPr>
-      <p:grpSpPr>
-        <a:xfrm>
-          <a:off x="0" y="0"/>
-          <a:ext cx="0" cy="0"/>
-          <a:chOff x="0" y="0"/>
-          <a:chExt cx="0" cy="0"/>
-        </a:xfrm>
-      </p:grpSpPr>
-      <p:sp>
-        <p:nvSpPr>
-          <p:cNvPr id="18434" name="Content Placeholder 5"/>
-          <p:cNvSpPr>
-            <a:spLocks noGrp="1"/>
-          </p:cNvSpPr>
-          <p:nvPr>
-            <p:ph sz="quarter" idx="10"/>
-          </p:nvPr>
-        </p:nvSpPr>
-        <p:spPr>
-          <a:xfrm>
-            <a:off x="461963" y="1339850"/>
-            <a:ext cx="8208962" cy="4537422"/>
-          </a:xfrm>
-        </p:spPr>
-        <p:txBody>
-          <a:bodyPr/>
-          <a:lstStyle/>
-          <a:p>
-            <a:pPr>
-              <a:buBlip>
-                <a:blip r:embed="rId2"/>
-              </a:buBlip>
-            </a:pPr>
-            <a:r>
-              <a:rPr lang="es-AR" sz="2400" dirty="0" smtClean="0">
-                <a:latin typeface="Arial" charset="0"/>
-                <a:cs typeface="Arial" charset="0"/>
-              </a:rPr>
-              <a:t>Dentro de los </a:t>
-            </a:r>
-            <a:r>
-              <a:rPr lang="es-AR" sz="2400" dirty="0" err="1" smtClean="0">
-                <a:latin typeface="Arial" charset="0"/>
-                <a:cs typeface="Arial" charset="0"/>
-              </a:rPr>
-              <a:t>plugins</a:t>
-            </a:r>
-            <a:r>
-              <a:rPr lang="es-AR" sz="2400" dirty="0" smtClean="0">
-                <a:latin typeface="Arial" charset="0"/>
-                <a:cs typeface="Arial" charset="0"/>
-              </a:rPr>
-              <a:t> más utilizados y conocidos de </a:t>
-            </a:r>
-            <a:r>
-              <a:rPr lang="es-AR" sz="2400" dirty="0" err="1" smtClean="0">
-                <a:latin typeface="Arial" charset="0"/>
-                <a:cs typeface="Arial" charset="0"/>
-              </a:rPr>
-              <a:t>jQuery</a:t>
-            </a:r>
-            <a:r>
-              <a:rPr lang="es-AR" sz="2400" dirty="0" smtClean="0">
-                <a:latin typeface="Arial" charset="0"/>
-                <a:cs typeface="Arial" charset="0"/>
-              </a:rPr>
-              <a:t> se encuentra </a:t>
-            </a:r>
-            <a:r>
-              <a:rPr lang="es-AR" sz="2400" b="1" dirty="0" err="1" smtClean="0">
-                <a:latin typeface="Arial" charset="0"/>
-                <a:cs typeface="Arial" charset="0"/>
-              </a:rPr>
-              <a:t>jQueryUI</a:t>
-            </a:r>
-            <a:endParaRPr lang="es-AR" sz="2400" dirty="0">
-              <a:latin typeface="Arial" charset="0"/>
-              <a:cs typeface="Arial" charset="0"/>
-            </a:endParaRPr>
-          </a:p>
-          <a:p>
-            <a:pPr>
-              <a:buBlip>
-                <a:blip r:embed="rId2"/>
-              </a:buBlip>
-            </a:pPr>
-            <a:endParaRPr lang="es-AR" sz="2400" dirty="0" smtClean="0">
-              <a:latin typeface="Arial" charset="0"/>
-              <a:cs typeface="Arial" charset="0"/>
-            </a:endParaRPr>
-          </a:p>
-          <a:p>
-            <a:pPr>
-              <a:buBlip>
-                <a:blip r:embed="rId2"/>
-              </a:buBlip>
-            </a:pPr>
-            <a:r>
-              <a:rPr lang="es-AR" sz="2400" dirty="0" smtClean="0">
-                <a:latin typeface="Arial" charset="0"/>
-                <a:cs typeface="Arial" charset="0"/>
-              </a:rPr>
-              <a:t>Mediante </a:t>
-            </a:r>
-            <a:r>
-              <a:rPr lang="es-AR" sz="2400" dirty="0" err="1" smtClean="0">
-                <a:latin typeface="Arial" charset="0"/>
-                <a:cs typeface="Arial" charset="0"/>
-              </a:rPr>
-              <a:t>jQueryUI</a:t>
-            </a:r>
-            <a:r>
-              <a:rPr lang="es-AR" sz="2400" dirty="0" smtClean="0">
-                <a:latin typeface="Arial" charset="0"/>
-                <a:cs typeface="Arial" charset="0"/>
-              </a:rPr>
-              <a:t> podemos presentar fácilmente en la interfaz de usuario diferentes efectos visuales</a:t>
-            </a:r>
-          </a:p>
-          <a:p>
-            <a:pPr>
-              <a:buBlip>
-                <a:blip r:embed="rId2"/>
-              </a:buBlip>
-            </a:pPr>
-            <a:endParaRPr lang="es-AR" sz="2400" dirty="0">
-              <a:latin typeface="Arial" charset="0"/>
-              <a:cs typeface="Arial" charset="0"/>
-            </a:endParaRPr>
-          </a:p>
-          <a:p>
-            <a:pPr>
-              <a:buBlip>
-                <a:blip r:embed="rId2"/>
-              </a:buBlip>
-            </a:pPr>
-            <a:r>
-              <a:rPr lang="es-AR" sz="2400" dirty="0" err="1" smtClean="0">
-                <a:latin typeface="Arial" charset="0"/>
-                <a:cs typeface="Arial" charset="0"/>
-              </a:rPr>
-              <a:t>jQueryUI</a:t>
-            </a:r>
-            <a:r>
-              <a:rPr lang="es-AR" sz="2400" dirty="0" smtClean="0">
-                <a:latin typeface="Arial" charset="0"/>
-                <a:cs typeface="Arial" charset="0"/>
-              </a:rPr>
-              <a:t> nos permite abstraernos aún más de la complejidad de la vista y nos provee una gran cantidad de herramientas para utilizarlo</a:t>
-            </a:r>
-            <a:endParaRPr lang="es-MX" sz="2000" dirty="0" smtClean="0">
-              <a:latin typeface="Arial" charset="0"/>
-              <a:cs typeface="Arial" charset="0"/>
-            </a:endParaRPr>
-          </a:p>
-        </p:txBody>
-      </p:sp>
-      <p:sp>
-        <p:nvSpPr>
-          <p:cNvPr id="18435" name="Title 4"/>
-          <p:cNvSpPr>
-            <a:spLocks noGrp="1"/>
-          </p:cNvSpPr>
-          <p:nvPr>
-            <p:ph type="title"/>
-          </p:nvPr>
-        </p:nvSpPr>
-        <p:spPr>
-          <a:xfrm>
-            <a:off x="457200" y="192088"/>
-            <a:ext cx="6131024" cy="1076672"/>
-          </a:xfrm>
-          <a:ln/>
-        </p:spPr>
-        <p:txBody>
-          <a:bodyPr/>
-          <a:lstStyle/>
-          <a:p>
-            <a:pPr algn="l"/>
-            <a:r>
-              <a:rPr lang="es-MX" sz="4000" dirty="0" err="1">
-                <a:solidFill>
-                  <a:schemeClr val="accent1"/>
-                </a:solidFill>
-                <a:latin typeface="Arial" charset="0"/>
-                <a:cs typeface="Arial" charset="0"/>
-              </a:rPr>
-              <a:t>Plugins</a:t>
-            </a:r>
-            <a:r>
-              <a:rPr lang="es-MX" sz="4000" dirty="0">
-                <a:solidFill>
-                  <a:schemeClr val="accent1"/>
-                </a:solidFill>
-                <a:latin typeface="Arial" charset="0"/>
-                <a:cs typeface="Arial" charset="0"/>
-              </a:rPr>
-              <a:t> de </a:t>
-            </a:r>
-            <a:r>
-              <a:rPr lang="es-MX" sz="4000" dirty="0" err="1">
-                <a:solidFill>
-                  <a:schemeClr val="accent1"/>
-                </a:solidFill>
-                <a:latin typeface="Arial" charset="0"/>
-                <a:cs typeface="Arial" charset="0"/>
-              </a:rPr>
-              <a:t>jQuery</a:t>
-            </a:r>
-            <a:r>
-              <a:rPr lang="es-MX" sz="4000" dirty="0">
-                <a:solidFill>
-                  <a:schemeClr val="accent1"/>
-                </a:solidFill>
-                <a:latin typeface="Arial" charset="0"/>
-                <a:cs typeface="Arial" charset="0"/>
-              </a:rPr>
-              <a:t/>
-            </a:r>
-            <a:br>
-              <a:rPr lang="es-MX" sz="4000" dirty="0">
-                <a:solidFill>
-                  <a:schemeClr val="accent1"/>
-                </a:solidFill>
-                <a:latin typeface="Arial" charset="0"/>
-                <a:cs typeface="Arial" charset="0"/>
-              </a:rPr>
-            </a:br>
-            <a:r>
-              <a:rPr lang="es-MX" sz="2400" u="sng" dirty="0" err="1" smtClean="0">
-                <a:solidFill>
-                  <a:schemeClr val="accent1"/>
-                </a:solidFill>
-                <a:latin typeface="Arial" charset="0"/>
-                <a:cs typeface="Arial" charset="0"/>
-              </a:rPr>
-              <a:t>jQueryUI</a:t>
-            </a:r>
-            <a:endParaRPr lang="es-MX" sz="2400" u="sng" dirty="0" smtClean="0">
-              <a:solidFill>
-                <a:schemeClr val="accent1"/>
-              </a:solidFill>
-              <a:latin typeface="Arial" charset="0"/>
-              <a:cs typeface="Arial" charset="0"/>
-            </a:endParaRPr>
-          </a:p>
-        </p:txBody>
-      </p:sp>
-      <p:sp>
-        <p:nvSpPr>
-          <p:cNvPr id="4" name="Slide Number Placeholder 3"/>
-          <p:cNvSpPr>
-            <a:spLocks noGrp="1"/>
-          </p:cNvSpPr>
-          <p:nvPr>
-            <p:ph type="sldNum" sz="quarter" idx="11"/>
-          </p:nvPr>
-        </p:nvSpPr>
-        <p:spPr/>
-        <p:txBody>
-          <a:bodyPr/>
-          <a:lstStyle/>
-          <a:p>
-            <a:pPr>
-              <a:defRPr/>
-            </a:pPr>
-            <a:fld id="{A8A81EB8-FB27-4579-BFBD-692F3399D043}" type="slidenum">
-              <a:rPr lang="es-MX" smtClean="0"/>
-              <a:pPr>
-                <a:defRPr/>
-              </a:pPr>
-              <a:t>50</a:t>
-            </a:fld>
-            <a:endParaRPr lang="es-MX"/>
-          </a:p>
-        </p:txBody>
-      </p:sp>
-      <p:sp>
-        <p:nvSpPr>
-          <p:cNvPr id="2" name="1 CuadroTexto"/>
-          <p:cNvSpPr txBox="1"/>
-          <p:nvPr/>
-        </p:nvSpPr>
-        <p:spPr>
-          <a:xfrm>
-            <a:off x="1475656" y="2996952"/>
-            <a:ext cx="72008" cy="369332"/>
-          </a:xfrm>
-          <a:prstGeom prst="rect">
-            <a:avLst/>
-          </a:prstGeom>
-          <a:noFill/>
-        </p:spPr>
-        <p:txBody>
-          <a:bodyPr wrap="square" rtlCol="0">
-            <a:spAutoFit/>
-          </a:bodyPr>
-          <a:lstStyle/>
-          <a:p>
-            <a:endParaRPr lang="es-AR" dirty="0"/>
-          </a:p>
-        </p:txBody>
-      </p:sp>
-    </p:spTree>
-    <p:extLst>
-      <p:ext uri="{BB962C8B-B14F-4D97-AF65-F5344CB8AC3E}">
-        <p14:creationId xmlns:p14="http://schemas.microsoft.com/office/powerpoint/2010/main" val="976071512"/>
-      </p:ext>
-    </p:extLst>
-  </p:cSld>
-  <p:clrMapOvr>
-    <a:masterClrMapping/>
-  </p:clrMapOvr>
-  <p:timing>
-    <p:tnLst>
-      <p:par>
-        <p:cTn id="1" dur="indefinite" restart="never" nodeType="tmRoot"/>
-      </p:par>
-    </p:tnLst>
-  </p:timing>
-</p:sld>
-</file>
-
-<file path=ppt/slides/slide51.xml><?xml version="1.0" encoding="utf-8"?>
-<p:sld xmlns:a="http://schemas.openxmlformats.org/drawingml/2006/main" xmlns:r="http://schemas.openxmlformats.org/officeDocument/2006/relationships" xmlns:p="http://schemas.openxmlformats.org/presentationml/2006/main">
-  <p:cSld>
-    <p:spTree>
-      <p:nvGrpSpPr>
-        <p:cNvPr id="1" name=""/>
-        <p:cNvGrpSpPr/>
-        <p:nvPr/>
-      </p:nvGrpSpPr>
-      <p:grpSpPr>
-        <a:xfrm>
-          <a:off x="0" y="0"/>
-          <a:ext cx="0" cy="0"/>
-          <a:chOff x="0" y="0"/>
-          <a:chExt cx="0" cy="0"/>
-        </a:xfrm>
-      </p:grpSpPr>
-      <p:sp>
-        <p:nvSpPr>
-          <p:cNvPr id="18434" name="Content Placeholder 5"/>
-          <p:cNvSpPr>
-            <a:spLocks noGrp="1"/>
-          </p:cNvSpPr>
-          <p:nvPr>
-            <p:ph sz="quarter" idx="10"/>
-          </p:nvPr>
-        </p:nvSpPr>
-        <p:spPr>
-          <a:xfrm>
-            <a:off x="461963" y="1339850"/>
-            <a:ext cx="8208962" cy="4969470"/>
-          </a:xfrm>
-        </p:spPr>
-        <p:txBody>
-          <a:bodyPr/>
-          <a:lstStyle/>
-          <a:p>
-            <a:pPr>
-              <a:buBlip>
-                <a:blip r:embed="rId2"/>
-              </a:buBlip>
-            </a:pPr>
-            <a:r>
-              <a:rPr lang="es-AR" sz="1800" dirty="0" smtClean="0">
-                <a:latin typeface="Arial" charset="0"/>
-                <a:cs typeface="Arial" charset="0"/>
-              </a:rPr>
-              <a:t>Por ejemplo, si se deseara implementar un calendario en la página web:</a:t>
-            </a:r>
-          </a:p>
-          <a:p>
-            <a:pPr>
-              <a:buBlip>
-                <a:blip r:embed="rId2"/>
-              </a:buBlip>
-            </a:pPr>
-            <a:endParaRPr lang="es-AR" sz="1300" dirty="0" smtClean="0">
-              <a:latin typeface="Arial" charset="0"/>
-              <a:cs typeface="Arial" charset="0"/>
-            </a:endParaRPr>
-          </a:p>
-          <a:p>
-            <a:pPr marL="0" indent="0">
-              <a:buNone/>
-            </a:pPr>
-            <a:r>
-              <a:rPr lang="en-US" sz="1300" dirty="0" smtClean="0"/>
-              <a:t>&lt;script&gt;</a:t>
-            </a:r>
-          </a:p>
-          <a:p>
-            <a:pPr marL="400050" lvl="1" indent="0">
-              <a:buNone/>
-            </a:pPr>
-            <a:r>
-              <a:rPr lang="en-US" sz="1300" dirty="0" smtClean="0"/>
-              <a:t>$(function() {</a:t>
-            </a:r>
-          </a:p>
-          <a:p>
-            <a:pPr marL="800100" lvl="2" indent="0">
-              <a:buNone/>
-            </a:pPr>
-            <a:r>
-              <a:rPr lang="en-US" sz="1300" b="1" dirty="0" smtClean="0"/>
-              <a:t>$( "#</a:t>
-            </a:r>
-            <a:r>
-              <a:rPr lang="en-US" sz="1300" b="1" dirty="0" err="1" smtClean="0"/>
-              <a:t>datepicker</a:t>
-            </a:r>
-            <a:r>
-              <a:rPr lang="en-US" sz="1300" b="1" dirty="0" smtClean="0"/>
-              <a:t>" ).</a:t>
-            </a:r>
-            <a:r>
-              <a:rPr lang="en-US" sz="1300" b="1" dirty="0" err="1" smtClean="0"/>
-              <a:t>datepicker</a:t>
-            </a:r>
-            <a:r>
-              <a:rPr lang="en-US" sz="1300" b="1" dirty="0" smtClean="0"/>
-              <a:t>();</a:t>
-            </a:r>
-          </a:p>
-          <a:p>
-            <a:pPr marL="400050" lvl="1" indent="0">
-              <a:buNone/>
-            </a:pPr>
-            <a:r>
-              <a:rPr lang="en-US" sz="1300" dirty="0" smtClean="0"/>
-              <a:t>});</a:t>
-            </a:r>
-          </a:p>
-          <a:p>
-            <a:pPr marL="0" indent="0">
-              <a:buNone/>
-            </a:pPr>
-            <a:r>
-              <a:rPr lang="en-US" sz="1300" dirty="0" smtClean="0"/>
-              <a:t>&lt;/script&gt;</a:t>
-            </a:r>
-          </a:p>
-          <a:p>
-            <a:pPr marL="0" indent="0">
-              <a:buNone/>
-            </a:pPr>
-            <a:endParaRPr lang="en-US" sz="1300" dirty="0"/>
-          </a:p>
-          <a:p>
-            <a:pPr marL="0" indent="0">
-              <a:buNone/>
-            </a:pPr>
-            <a:r>
-              <a:rPr lang="en-US" sz="1300" dirty="0" smtClean="0"/>
-              <a:t>&lt;p&gt;Date: &lt;input type="text" id="</a:t>
-            </a:r>
-            <a:r>
-              <a:rPr lang="en-US" sz="1300" dirty="0" err="1" smtClean="0"/>
-              <a:t>datepicker</a:t>
-            </a:r>
-            <a:r>
-              <a:rPr lang="en-US" sz="1300" dirty="0" smtClean="0"/>
-              <a:t>" /&gt;&lt;/p&gt;</a:t>
-            </a:r>
-            <a:endParaRPr lang="es-MX" sz="2000" dirty="0" smtClean="0">
-              <a:latin typeface="Arial" charset="0"/>
-              <a:cs typeface="Arial" charset="0"/>
-            </a:endParaRPr>
-          </a:p>
-          <a:p>
-            <a:pPr>
-              <a:buBlip>
-                <a:blip r:embed="rId2"/>
-              </a:buBlip>
-            </a:pPr>
-            <a:endParaRPr lang="es-MX" sz="2000" dirty="0" smtClean="0">
-              <a:latin typeface="Arial" charset="0"/>
-              <a:cs typeface="Arial" charset="0"/>
-            </a:endParaRPr>
-          </a:p>
-          <a:p>
-            <a:pPr>
-              <a:buBlip>
-                <a:blip r:embed="rId2"/>
-              </a:buBlip>
-            </a:pPr>
-            <a:endParaRPr lang="es-MX" sz="2000" dirty="0">
-              <a:latin typeface="Arial" charset="0"/>
-              <a:cs typeface="Arial" charset="0"/>
-            </a:endParaRPr>
-          </a:p>
-          <a:p>
-            <a:pPr>
-              <a:buBlip>
-                <a:blip r:embed="rId2"/>
-              </a:buBlip>
-            </a:pPr>
-            <a:endParaRPr lang="es-MX" sz="2000" dirty="0" smtClean="0">
-              <a:latin typeface="Arial" charset="0"/>
-              <a:cs typeface="Arial" charset="0"/>
-            </a:endParaRPr>
-          </a:p>
-          <a:p>
-            <a:pPr marL="0" indent="0">
-              <a:buNone/>
-            </a:pPr>
-            <a:endParaRPr lang="es-MX" sz="2000" dirty="0" smtClean="0">
-              <a:latin typeface="Arial" charset="0"/>
-              <a:cs typeface="Arial" charset="0"/>
-            </a:endParaRPr>
-          </a:p>
-          <a:p>
-            <a:pPr>
-              <a:buBlip>
-                <a:blip r:embed="rId2"/>
-              </a:buBlip>
-            </a:pPr>
-            <a:r>
-              <a:rPr lang="es-MX" sz="1800" dirty="0" smtClean="0">
-                <a:latin typeface="Arial" charset="0"/>
-                <a:cs typeface="Arial" charset="0"/>
-              </a:rPr>
-              <a:t>Solo con un par de líneas es posible agregar un calendario dinámico a la página web y de esta manera podemos abstraernos de las complicaciones que podría ocasionar el tener que implementarlo desde cero</a:t>
-            </a:r>
-            <a:endParaRPr lang="es-MX" sz="1800" dirty="0">
-              <a:latin typeface="Arial" charset="0"/>
-              <a:cs typeface="Arial" charset="0"/>
-            </a:endParaRPr>
-          </a:p>
-        </p:txBody>
-      </p:sp>
-      <p:sp>
-        <p:nvSpPr>
-          <p:cNvPr id="18435" name="Title 4"/>
-          <p:cNvSpPr>
-            <a:spLocks noGrp="1"/>
-          </p:cNvSpPr>
-          <p:nvPr>
-            <p:ph type="title"/>
-          </p:nvPr>
-        </p:nvSpPr>
-        <p:spPr>
-          <a:xfrm>
-            <a:off x="457200" y="192088"/>
-            <a:ext cx="6131024" cy="1076672"/>
-          </a:xfrm>
-          <a:ln/>
-        </p:spPr>
-        <p:txBody>
-          <a:bodyPr/>
-          <a:lstStyle/>
-          <a:p>
-            <a:pPr algn="l"/>
-            <a:r>
-              <a:rPr lang="es-MX" sz="4000" dirty="0" err="1">
-                <a:solidFill>
-                  <a:schemeClr val="accent1"/>
-                </a:solidFill>
-                <a:latin typeface="Arial" charset="0"/>
-                <a:cs typeface="Arial" charset="0"/>
-              </a:rPr>
-              <a:t>Plugins</a:t>
-            </a:r>
-            <a:r>
-              <a:rPr lang="es-MX" sz="4000" dirty="0">
-                <a:solidFill>
-                  <a:schemeClr val="accent1"/>
-                </a:solidFill>
-                <a:latin typeface="Arial" charset="0"/>
-                <a:cs typeface="Arial" charset="0"/>
-              </a:rPr>
-              <a:t> de </a:t>
-            </a:r>
-            <a:r>
-              <a:rPr lang="es-MX" sz="4000" dirty="0" err="1">
-                <a:solidFill>
-                  <a:schemeClr val="accent1"/>
-                </a:solidFill>
-                <a:latin typeface="Arial" charset="0"/>
-                <a:cs typeface="Arial" charset="0"/>
-              </a:rPr>
-              <a:t>jQuery</a:t>
-            </a:r>
-            <a:r>
-              <a:rPr lang="es-MX" sz="4000" dirty="0">
-                <a:solidFill>
-                  <a:schemeClr val="accent1"/>
-                </a:solidFill>
-                <a:latin typeface="Arial" charset="0"/>
-                <a:cs typeface="Arial" charset="0"/>
-              </a:rPr>
-              <a:t/>
-            </a:r>
-            <a:br>
-              <a:rPr lang="es-MX" sz="4000" dirty="0">
-                <a:solidFill>
-                  <a:schemeClr val="accent1"/>
-                </a:solidFill>
-                <a:latin typeface="Arial" charset="0"/>
-                <a:cs typeface="Arial" charset="0"/>
-              </a:rPr>
-            </a:br>
-            <a:r>
-              <a:rPr lang="es-MX" sz="2400" u="sng" dirty="0" err="1" smtClean="0">
-                <a:solidFill>
-                  <a:schemeClr val="accent1"/>
-                </a:solidFill>
-                <a:latin typeface="Arial" charset="0"/>
-                <a:cs typeface="Arial" charset="0"/>
-              </a:rPr>
-              <a:t>jQueryUI</a:t>
-            </a:r>
-            <a:endParaRPr lang="es-MX" sz="2400" u="sng" dirty="0" smtClean="0">
-              <a:solidFill>
-                <a:schemeClr val="accent1"/>
-              </a:solidFill>
-              <a:latin typeface="Arial" charset="0"/>
-              <a:cs typeface="Arial" charset="0"/>
-            </a:endParaRPr>
-          </a:p>
-        </p:txBody>
-      </p:sp>
-      <p:sp>
-        <p:nvSpPr>
-          <p:cNvPr id="4" name="Slide Number Placeholder 3"/>
-          <p:cNvSpPr>
-            <a:spLocks noGrp="1"/>
-          </p:cNvSpPr>
-          <p:nvPr>
-            <p:ph type="sldNum" sz="quarter" idx="11"/>
-          </p:nvPr>
-        </p:nvSpPr>
-        <p:spPr/>
-        <p:txBody>
-          <a:bodyPr/>
-          <a:lstStyle/>
-          <a:p>
-            <a:pPr>
-              <a:defRPr/>
-            </a:pPr>
-            <a:fld id="{A8A81EB8-FB27-4579-BFBD-692F3399D043}" type="slidenum">
-              <a:rPr lang="es-MX" smtClean="0"/>
-              <a:pPr>
-                <a:defRPr/>
-              </a:pPr>
-              <a:t>51</a:t>
-            </a:fld>
-            <a:endParaRPr lang="es-MX"/>
-          </a:p>
-        </p:txBody>
-      </p:sp>
-      <p:sp>
-        <p:nvSpPr>
-          <p:cNvPr id="2" name="1 CuadroTexto"/>
-          <p:cNvSpPr txBox="1"/>
-          <p:nvPr/>
-        </p:nvSpPr>
-        <p:spPr>
-          <a:xfrm>
-            <a:off x="1475656" y="2996952"/>
-            <a:ext cx="72008" cy="369332"/>
-          </a:xfrm>
-          <a:prstGeom prst="rect">
-            <a:avLst/>
-          </a:prstGeom>
-          <a:noFill/>
-        </p:spPr>
-        <p:txBody>
-          <a:bodyPr wrap="square" rtlCol="0">
-            <a:spAutoFit/>
-          </a:bodyPr>
-          <a:lstStyle/>
-          <a:p>
-            <a:endParaRPr lang="es-AR" dirty="0"/>
-          </a:p>
-        </p:txBody>
-      </p:sp>
-      <p:pic>
-        <p:nvPicPr>
-          <p:cNvPr id="1027" name="Picture 3"/>
-          <p:cNvPicPr>
-            <a:picLocks noChangeAspect="1" noChangeArrowheads="1"/>
-          </p:cNvPicPr>
-          <p:nvPr/>
-        </p:nvPicPr>
-        <p:blipFill>
-          <a:blip r:embed="rId3">
-            <a:extLst>
-              <a:ext uri="{28A0092B-C50C-407E-A947-70E740481C1C}">
-                <a14:useLocalDpi xmlns:a14="http://schemas.microsoft.com/office/drawing/2010/main" val="0"/>
-              </a:ext>
-            </a:extLst>
-          </a:blip>
-          <a:srcRect/>
-          <a:stretch>
-            <a:fillRect/>
-          </a:stretch>
-        </p:blipFill>
-        <p:spPr bwMode="auto">
-          <a:xfrm>
-            <a:off x="4932040" y="1987302"/>
-            <a:ext cx="3600400" cy="3128216"/>
-          </a:xfrm>
-          <a:prstGeom prst="rect">
-            <a:avLst/>
-          </a:prstGeom>
-          <a:noFill/>
-          <a:ln>
-            <a:noFill/>
-          </a:ln>
-          <a:extLst>
-            <a:ext uri="{909E8E84-426E-40DD-AFC4-6F175D3DCCD1}">
-              <a14:hiddenFill xmlns:a14="http://schemas.microsoft.com/office/drawing/2010/main">
-                <a:solidFill>
-                  <a:schemeClr val="accent1"/>
-                </a:solidFill>
-              </a14:hiddenFill>
-            </a:ext>
-            <a:ext uri="{91240B29-F687-4F45-9708-019B960494DF}">
-              <a14:hiddenLine xmlns:a14="http://schemas.microsoft.com/office/drawing/2010/main" w="9525">
-                <a:solidFill>
-                  <a:schemeClr val="tx1"/>
-                </a:solidFill>
-                <a:miter lim="800000"/>
-                <a:headEnd/>
-                <a:tailEnd/>
-              </a14:hiddenLine>
-            </a:ext>
-          </a:extLst>
-        </p:spPr>
-      </p:pic>
-    </p:spTree>
-    <p:extLst>
-      <p:ext uri="{BB962C8B-B14F-4D97-AF65-F5344CB8AC3E}">
-        <p14:creationId xmlns:p14="http://schemas.microsoft.com/office/powerpoint/2010/main" val="1230022996"/>
-      </p:ext>
-    </p:extLst>
-  </p:cSld>
-  <p:clrMapOvr>
-    <a:masterClrMapping/>
-  </p:clrMapOvr>
-  <p:timing>
-    <p:tnLst>
-      <p:par>
-        <p:cTn id="1" dur="indefinite" restart="never" nodeType="tmRoot"/>
-      </p:par>
-    </p:tnLst>
-  </p:timing>
-</p:sld>
-</file>
-
-<file path=ppt/slides/slide52.xml><?xml version="1.0" encoding="utf-8"?>
-<p:sld xmlns:a="http://schemas.openxmlformats.org/drawingml/2006/main" xmlns:r="http://schemas.openxmlformats.org/officeDocument/2006/relationships" xmlns:p="http://schemas.openxmlformats.org/presentationml/2006/main">
-  <p:cSld>
-    <p:spTree>
-      <p:nvGrpSpPr>
-        <p:cNvPr id="1" name=""/>
-        <p:cNvGrpSpPr/>
-        <p:nvPr/>
-      </p:nvGrpSpPr>
-      <p:grpSpPr>
-        <a:xfrm>
-          <a:off x="0" y="0"/>
-          <a:ext cx="0" cy="0"/>
-          <a:chOff x="0" y="0"/>
-          <a:chExt cx="0" cy="0"/>
-        </a:xfrm>
-      </p:grpSpPr>
-      <p:sp>
-        <p:nvSpPr>
-          <p:cNvPr id="18434" name="Content Placeholder 5"/>
-          <p:cNvSpPr>
-            <a:spLocks noGrp="1"/>
-          </p:cNvSpPr>
-          <p:nvPr>
-            <p:ph sz="quarter" idx="10"/>
-          </p:nvPr>
-        </p:nvSpPr>
-        <p:spPr>
-          <a:xfrm>
-            <a:off x="461963" y="1339850"/>
-            <a:ext cx="8208962" cy="4969470"/>
-          </a:xfrm>
-        </p:spPr>
-        <p:txBody>
-          <a:bodyPr/>
-          <a:lstStyle/>
-          <a:p>
-            <a:pPr>
-              <a:buBlip>
-                <a:blip r:embed="rId2"/>
-              </a:buBlip>
-            </a:pPr>
-            <a:r>
-              <a:rPr lang="es-AR" sz="2000" dirty="0" smtClean="0">
-                <a:latin typeface="Arial" charset="0"/>
-                <a:cs typeface="Arial" charset="0"/>
-              </a:rPr>
-              <a:t>La función </a:t>
-            </a:r>
-            <a:r>
-              <a:rPr lang="es-AR" sz="2000" b="1" dirty="0" err="1" smtClean="0">
-                <a:latin typeface="Arial" charset="0"/>
-                <a:cs typeface="Arial" charset="0"/>
-              </a:rPr>
-              <a:t>ajaxForm</a:t>
-            </a:r>
-            <a:r>
-              <a:rPr lang="es-AR" sz="2000" dirty="0" smtClean="0">
-                <a:latin typeface="Arial" charset="0"/>
-                <a:cs typeface="Arial" charset="0"/>
-              </a:rPr>
-              <a:t> es provista por un plugin de </a:t>
-            </a:r>
-            <a:r>
-              <a:rPr lang="es-AR" sz="2000" dirty="0" err="1" smtClean="0">
-                <a:latin typeface="Arial" charset="0"/>
-                <a:cs typeface="Arial" charset="0"/>
-              </a:rPr>
-              <a:t>jQuery</a:t>
-            </a:r>
-            <a:r>
-              <a:rPr lang="es-AR" sz="2000" dirty="0">
-                <a:latin typeface="Arial" charset="0"/>
-                <a:cs typeface="Arial" charset="0"/>
-              </a:rPr>
-              <a:t>: </a:t>
-            </a:r>
-            <a:r>
-              <a:rPr lang="es-AR" sz="2000" dirty="0">
-                <a:latin typeface="Arial" charset="0"/>
-                <a:cs typeface="Arial" charset="0"/>
-                <a:hlinkClick r:id="rId3"/>
-              </a:rPr>
-              <a:t>http://www.malsup.com/jquery/form/</a:t>
-            </a:r>
-            <a:endParaRPr lang="es-AR" sz="2000" dirty="0">
-              <a:latin typeface="Arial" charset="0"/>
-              <a:cs typeface="Arial" charset="0"/>
-            </a:endParaRPr>
-          </a:p>
-          <a:p>
-            <a:pPr>
-              <a:buBlip>
-                <a:blip r:embed="rId2"/>
-              </a:buBlip>
-            </a:pPr>
-            <a:endParaRPr lang="es-AR" sz="2000" dirty="0" smtClean="0">
-              <a:latin typeface="Arial" charset="0"/>
-              <a:cs typeface="Arial" charset="0"/>
-            </a:endParaRPr>
-          </a:p>
-          <a:p>
-            <a:pPr>
-              <a:buBlip>
-                <a:blip r:embed="rId2"/>
-              </a:buBlip>
-            </a:pPr>
-            <a:r>
-              <a:rPr lang="es-AR" sz="2000" b="1" dirty="0" err="1" smtClean="0">
-                <a:latin typeface="Arial" charset="0"/>
-                <a:cs typeface="Arial" charset="0"/>
-              </a:rPr>
-              <a:t>ajaxForm</a:t>
-            </a:r>
-            <a:r>
-              <a:rPr lang="es-AR" sz="2000" dirty="0" smtClean="0">
-                <a:latin typeface="Arial" charset="0"/>
-                <a:cs typeface="Arial" charset="0"/>
-              </a:rPr>
-              <a:t> nos permite transformar un formulario común ya existente en la página web en uno que utilice la tecnología </a:t>
-            </a:r>
-            <a:r>
-              <a:rPr lang="es-AR" sz="2000" dirty="0" err="1" smtClean="0">
-                <a:latin typeface="Arial" charset="0"/>
-                <a:cs typeface="Arial" charset="0"/>
-              </a:rPr>
-              <a:t>ajax</a:t>
-            </a:r>
-            <a:r>
-              <a:rPr lang="es-AR" sz="2000" dirty="0" smtClean="0">
-                <a:latin typeface="Arial" charset="0"/>
-                <a:cs typeface="Arial" charset="0"/>
-              </a:rPr>
-              <a:t> para realizar el envío de los datos del formulario</a:t>
-            </a:r>
-            <a:endParaRPr lang="es-AR" sz="2000" dirty="0">
-              <a:latin typeface="Arial" charset="0"/>
-              <a:cs typeface="Arial" charset="0"/>
-            </a:endParaRPr>
-          </a:p>
-          <a:p>
-            <a:pPr>
-              <a:buBlip>
-                <a:blip r:embed="rId2"/>
-              </a:buBlip>
-            </a:pPr>
-            <a:endParaRPr lang="es-AR" sz="2000" dirty="0" smtClean="0">
-              <a:latin typeface="Arial" charset="0"/>
-              <a:cs typeface="Arial" charset="0"/>
-            </a:endParaRPr>
-          </a:p>
-          <a:p>
-            <a:pPr>
-              <a:buBlip>
-                <a:blip r:embed="rId2"/>
-              </a:buBlip>
-            </a:pPr>
-            <a:r>
-              <a:rPr lang="es-AR" sz="2000" dirty="0" smtClean="0">
-                <a:latin typeface="Arial" charset="0"/>
-                <a:cs typeface="Arial" charset="0"/>
-              </a:rPr>
-              <a:t>Mediante una simple llamada a esta función, todas las veces siguientes que se envíe este formulario se realizará mediante </a:t>
-            </a:r>
-            <a:r>
-              <a:rPr lang="es-AR" sz="2000" dirty="0" err="1" smtClean="0">
-                <a:latin typeface="Arial" charset="0"/>
-                <a:cs typeface="Arial" charset="0"/>
-              </a:rPr>
-              <a:t>ajax</a:t>
-            </a:r>
-            <a:endParaRPr lang="es-AR" sz="2000" dirty="0" smtClean="0">
-              <a:latin typeface="Arial" charset="0"/>
-              <a:cs typeface="Arial" charset="0"/>
-            </a:endParaRPr>
-          </a:p>
-          <a:p>
-            <a:pPr>
-              <a:buBlip>
-                <a:blip r:embed="rId2"/>
-              </a:buBlip>
-            </a:pPr>
-            <a:endParaRPr lang="es-AR" sz="2000" dirty="0">
-              <a:latin typeface="Arial" charset="0"/>
-              <a:cs typeface="Arial" charset="0"/>
-            </a:endParaRPr>
-          </a:p>
-          <a:p>
-            <a:pPr>
-              <a:buBlip>
-                <a:blip r:embed="rId2"/>
-              </a:buBlip>
-            </a:pPr>
-            <a:r>
-              <a:rPr lang="es-AR" sz="2000" dirty="0" smtClean="0">
-                <a:latin typeface="Arial" charset="0"/>
-                <a:cs typeface="Arial" charset="0"/>
-              </a:rPr>
-              <a:t>Es necesario incluir el script que contiene el plugin de </a:t>
-            </a:r>
-            <a:r>
-              <a:rPr lang="es-AR" sz="2000" i="1" dirty="0" err="1" smtClean="0">
-                <a:latin typeface="Arial" charset="0"/>
-                <a:cs typeface="Arial" charset="0"/>
-              </a:rPr>
-              <a:t>jquery</a:t>
-            </a:r>
-            <a:r>
-              <a:rPr lang="es-AR" sz="2000" i="1" dirty="0" smtClean="0">
-                <a:latin typeface="Arial" charset="0"/>
-                <a:cs typeface="Arial" charset="0"/>
-              </a:rPr>
-              <a:t> </a:t>
-            </a:r>
-            <a:r>
-              <a:rPr lang="es-AR" sz="2000" i="1" dirty="0" err="1" smtClean="0">
-                <a:latin typeface="Arial" charset="0"/>
-                <a:cs typeface="Arial" charset="0"/>
-              </a:rPr>
-              <a:t>form</a:t>
-            </a:r>
-            <a:r>
-              <a:rPr lang="es-AR" sz="2000" i="1" dirty="0" smtClean="0">
-                <a:latin typeface="Arial" charset="0"/>
-                <a:cs typeface="Arial" charset="0"/>
-              </a:rPr>
-              <a:t> </a:t>
-            </a:r>
-            <a:r>
-              <a:rPr lang="es-AR" sz="2000" dirty="0" smtClean="0">
-                <a:latin typeface="Arial" charset="0"/>
-                <a:cs typeface="Arial" charset="0"/>
-              </a:rPr>
-              <a:t>para agregar esta funcionalidad</a:t>
-            </a:r>
-            <a:endParaRPr lang="es-AR" sz="2000" b="1" dirty="0" smtClean="0">
-              <a:latin typeface="Arial" charset="0"/>
-              <a:cs typeface="Arial" charset="0"/>
-            </a:endParaRPr>
-          </a:p>
-        </p:txBody>
-      </p:sp>
-      <p:sp>
-        <p:nvSpPr>
-          <p:cNvPr id="18435" name="Title 4"/>
-          <p:cNvSpPr>
-            <a:spLocks noGrp="1"/>
-          </p:cNvSpPr>
-          <p:nvPr>
-            <p:ph type="title"/>
-          </p:nvPr>
-        </p:nvSpPr>
-        <p:spPr>
-          <a:xfrm>
-            <a:off x="457200" y="192088"/>
-            <a:ext cx="6131024" cy="1076672"/>
-          </a:xfrm>
-          <a:ln/>
-        </p:spPr>
-        <p:txBody>
-          <a:bodyPr/>
-          <a:lstStyle/>
-          <a:p>
-            <a:pPr algn="l"/>
-            <a:r>
-              <a:rPr lang="es-MX" sz="4000" dirty="0" err="1">
-                <a:solidFill>
-                  <a:schemeClr val="accent1"/>
-                </a:solidFill>
-                <a:latin typeface="Arial" charset="0"/>
-                <a:cs typeface="Arial" charset="0"/>
-              </a:rPr>
-              <a:t>Plugins</a:t>
-            </a:r>
-            <a:r>
-              <a:rPr lang="es-MX" sz="4000" dirty="0">
-                <a:solidFill>
-                  <a:schemeClr val="accent1"/>
-                </a:solidFill>
-                <a:latin typeface="Arial" charset="0"/>
-                <a:cs typeface="Arial" charset="0"/>
-              </a:rPr>
-              <a:t> de </a:t>
-            </a:r>
-            <a:r>
-              <a:rPr lang="es-MX" sz="4000" dirty="0" err="1">
-                <a:solidFill>
-                  <a:schemeClr val="accent1"/>
-                </a:solidFill>
-                <a:latin typeface="Arial" charset="0"/>
-                <a:cs typeface="Arial" charset="0"/>
-              </a:rPr>
-              <a:t>jQuery</a:t>
-            </a:r>
-            <a:r>
-              <a:rPr lang="es-MX" sz="4000" dirty="0">
-                <a:solidFill>
-                  <a:schemeClr val="accent1"/>
-                </a:solidFill>
-                <a:latin typeface="Arial" charset="0"/>
-                <a:cs typeface="Arial" charset="0"/>
-              </a:rPr>
-              <a:t/>
-            </a:r>
-            <a:br>
-              <a:rPr lang="es-MX" sz="4000" dirty="0">
-                <a:solidFill>
-                  <a:schemeClr val="accent1"/>
-                </a:solidFill>
-                <a:latin typeface="Arial" charset="0"/>
-                <a:cs typeface="Arial" charset="0"/>
-              </a:rPr>
-            </a:br>
-            <a:r>
-              <a:rPr lang="es-MX" sz="2400" u="sng" dirty="0" err="1" smtClean="0">
-                <a:solidFill>
-                  <a:schemeClr val="accent1"/>
-                </a:solidFill>
-                <a:latin typeface="Arial" charset="0"/>
-                <a:cs typeface="Arial" charset="0"/>
-              </a:rPr>
-              <a:t>ajaxForm</a:t>
-            </a:r>
-            <a:endParaRPr lang="es-MX" sz="2400" u="sng" dirty="0" smtClean="0">
-              <a:solidFill>
-                <a:schemeClr val="accent1"/>
-              </a:solidFill>
-              <a:latin typeface="Arial" charset="0"/>
-              <a:cs typeface="Arial" charset="0"/>
-            </a:endParaRPr>
-          </a:p>
-        </p:txBody>
-      </p:sp>
-      <p:sp>
-        <p:nvSpPr>
-          <p:cNvPr id="4" name="Slide Number Placeholder 3"/>
-          <p:cNvSpPr>
-            <a:spLocks noGrp="1"/>
-          </p:cNvSpPr>
-          <p:nvPr>
-            <p:ph type="sldNum" sz="quarter" idx="11"/>
-          </p:nvPr>
-        </p:nvSpPr>
-        <p:spPr/>
-        <p:txBody>
-          <a:bodyPr/>
-          <a:lstStyle/>
-          <a:p>
-            <a:pPr>
-              <a:defRPr/>
-            </a:pPr>
-            <a:fld id="{A8A81EB8-FB27-4579-BFBD-692F3399D043}" type="slidenum">
-              <a:rPr lang="es-MX" smtClean="0"/>
-              <a:pPr>
-                <a:defRPr/>
-              </a:pPr>
-              <a:t>52</a:t>
-            </a:fld>
-            <a:endParaRPr lang="es-MX"/>
-          </a:p>
-        </p:txBody>
-      </p:sp>
-      <p:sp>
-        <p:nvSpPr>
-          <p:cNvPr id="2" name="1 CuadroTexto"/>
-          <p:cNvSpPr txBox="1"/>
-          <p:nvPr/>
-        </p:nvSpPr>
-        <p:spPr>
-          <a:xfrm>
-            <a:off x="1475656" y="2996952"/>
-            <a:ext cx="72008" cy="369332"/>
-          </a:xfrm>
-          <a:prstGeom prst="rect">
-            <a:avLst/>
-          </a:prstGeom>
-          <a:noFill/>
-        </p:spPr>
-        <p:txBody>
-          <a:bodyPr wrap="square" rtlCol="0">
-            <a:spAutoFit/>
-          </a:bodyPr>
-          <a:lstStyle/>
-          <a:p>
-            <a:endParaRPr lang="es-AR" dirty="0"/>
-          </a:p>
-        </p:txBody>
-      </p:sp>
-    </p:spTree>
-    <p:extLst>
-      <p:ext uri="{BB962C8B-B14F-4D97-AF65-F5344CB8AC3E}">
-        <p14:creationId xmlns:p14="http://schemas.microsoft.com/office/powerpoint/2010/main" val="2976525394"/>
-      </p:ext>
-    </p:extLst>
-  </p:cSld>
-  <p:clrMapOvr>
-    <a:masterClrMapping/>
-  </p:clrMapOvr>
-  <p:timing>
-    <p:tnLst>
-      <p:par>
-        <p:cTn id="1" dur="indefinite" restart="never" nodeType="tmRoot"/>
-      </p:par>
-    </p:tnLst>
-  </p:timing>
-</p:sld>
-</file>
-
-<file path=ppt/slides/slide53.xml><?xml version="1.0" encoding="utf-8"?>
-<p:sld xmlns:a="http://schemas.openxmlformats.org/drawingml/2006/main" xmlns:r="http://schemas.openxmlformats.org/officeDocument/2006/relationships" xmlns:p="http://schemas.openxmlformats.org/presentationml/2006/main">
-  <p:cSld>
-    <p:spTree>
-      <p:nvGrpSpPr>
-        <p:cNvPr id="1" name=""/>
-        <p:cNvGrpSpPr/>
-        <p:nvPr/>
-      </p:nvGrpSpPr>
-      <p:grpSpPr>
-        <a:xfrm>
-          <a:off x="0" y="0"/>
-          <a:ext cx="0" cy="0"/>
-          <a:chOff x="0" y="0"/>
-          <a:chExt cx="0" cy="0"/>
-        </a:xfrm>
-      </p:grpSpPr>
-      <p:sp>
-        <p:nvSpPr>
-          <p:cNvPr id="18435" name="Title 4"/>
-          <p:cNvSpPr>
-            <a:spLocks noGrp="1"/>
-          </p:cNvSpPr>
-          <p:nvPr>
-            <p:ph type="title"/>
-          </p:nvPr>
-        </p:nvSpPr>
-        <p:spPr>
-          <a:xfrm>
-            <a:off x="457200" y="192088"/>
-            <a:ext cx="6131024" cy="1076672"/>
-          </a:xfrm>
-          <a:ln/>
-        </p:spPr>
-        <p:txBody>
-          <a:bodyPr/>
-          <a:lstStyle/>
-          <a:p>
-            <a:pPr algn="l"/>
-            <a:r>
-              <a:rPr lang="es-MX" sz="4000" dirty="0" err="1">
-                <a:solidFill>
-                  <a:schemeClr val="accent1"/>
-                </a:solidFill>
-                <a:latin typeface="Arial" charset="0"/>
-                <a:cs typeface="Arial" charset="0"/>
-              </a:rPr>
-              <a:t>Plugins</a:t>
-            </a:r>
-            <a:r>
-              <a:rPr lang="es-MX" sz="4000" dirty="0">
-                <a:solidFill>
-                  <a:schemeClr val="accent1"/>
-                </a:solidFill>
-                <a:latin typeface="Arial" charset="0"/>
-                <a:cs typeface="Arial" charset="0"/>
-              </a:rPr>
-              <a:t> de </a:t>
-            </a:r>
-            <a:r>
-              <a:rPr lang="es-MX" sz="4000" dirty="0" err="1">
-                <a:solidFill>
-                  <a:schemeClr val="accent1"/>
-                </a:solidFill>
-                <a:latin typeface="Arial" charset="0"/>
-                <a:cs typeface="Arial" charset="0"/>
-              </a:rPr>
-              <a:t>jQuery</a:t>
-            </a:r>
-            <a:r>
-              <a:rPr lang="es-MX" sz="4000" dirty="0">
-                <a:solidFill>
-                  <a:schemeClr val="accent1"/>
-                </a:solidFill>
-                <a:latin typeface="Arial" charset="0"/>
-                <a:cs typeface="Arial" charset="0"/>
-              </a:rPr>
-              <a:t/>
-            </a:r>
-            <a:br>
-              <a:rPr lang="es-MX" sz="4000" dirty="0">
-                <a:solidFill>
-                  <a:schemeClr val="accent1"/>
-                </a:solidFill>
-                <a:latin typeface="Arial" charset="0"/>
-                <a:cs typeface="Arial" charset="0"/>
-              </a:rPr>
-            </a:br>
-            <a:r>
-              <a:rPr lang="es-MX" sz="2400" u="sng" dirty="0" err="1" smtClean="0">
-                <a:solidFill>
-                  <a:schemeClr val="accent1"/>
-                </a:solidFill>
-                <a:latin typeface="Arial" charset="0"/>
-                <a:cs typeface="Arial" charset="0"/>
-              </a:rPr>
-              <a:t>ajaxForm</a:t>
-            </a:r>
-            <a:endParaRPr lang="es-MX" sz="2400" u="sng" dirty="0" smtClean="0">
-              <a:solidFill>
-                <a:schemeClr val="accent1"/>
-              </a:solidFill>
-              <a:latin typeface="Arial" charset="0"/>
-              <a:cs typeface="Arial" charset="0"/>
-            </a:endParaRPr>
-          </a:p>
-        </p:txBody>
-      </p:sp>
-      <p:sp>
-        <p:nvSpPr>
-          <p:cNvPr id="4" name="Slide Number Placeholder 3"/>
-          <p:cNvSpPr>
-            <a:spLocks noGrp="1"/>
-          </p:cNvSpPr>
-          <p:nvPr>
-            <p:ph type="sldNum" sz="quarter" idx="11"/>
-          </p:nvPr>
-        </p:nvSpPr>
-        <p:spPr/>
-        <p:txBody>
-          <a:bodyPr/>
-          <a:lstStyle/>
-          <a:p>
-            <a:pPr>
-              <a:defRPr/>
-            </a:pPr>
-            <a:fld id="{A8A81EB8-FB27-4579-BFBD-692F3399D043}" type="slidenum">
-              <a:rPr lang="es-MX" smtClean="0"/>
-              <a:pPr>
-                <a:defRPr/>
-              </a:pPr>
-              <a:t>53</a:t>
-            </a:fld>
-            <a:endParaRPr lang="es-MX"/>
-          </a:p>
-        </p:txBody>
-      </p:sp>
-      <p:sp>
-        <p:nvSpPr>
-          <p:cNvPr id="2" name="1 CuadroTexto"/>
-          <p:cNvSpPr txBox="1"/>
-          <p:nvPr/>
-        </p:nvSpPr>
-        <p:spPr>
-          <a:xfrm>
-            <a:off x="1475656" y="2996952"/>
-            <a:ext cx="72008" cy="369332"/>
-          </a:xfrm>
-          <a:prstGeom prst="rect">
-            <a:avLst/>
-          </a:prstGeom>
-          <a:noFill/>
-        </p:spPr>
-        <p:txBody>
-          <a:bodyPr wrap="square" rtlCol="0">
-            <a:spAutoFit/>
-          </a:bodyPr>
-          <a:lstStyle/>
-          <a:p>
-            <a:endParaRPr lang="es-AR" dirty="0"/>
-          </a:p>
-        </p:txBody>
-      </p:sp>
-      <p:pic>
-        <p:nvPicPr>
-          <p:cNvPr id="3074" name="Picture 2"/>
-          <p:cNvPicPr>
-            <a:picLocks noChangeAspect="1" noChangeArrowheads="1"/>
-          </p:cNvPicPr>
-          <p:nvPr/>
-        </p:nvPicPr>
-        <p:blipFill>
-          <a:blip r:embed="rId2">
-            <a:extLst>
-              <a:ext uri="{28A0092B-C50C-407E-A947-70E740481C1C}">
-                <a14:useLocalDpi xmlns:a14="http://schemas.microsoft.com/office/drawing/2010/main" val="0"/>
-              </a:ext>
-            </a:extLst>
-          </a:blip>
-          <a:srcRect/>
-          <a:stretch>
-            <a:fillRect/>
-          </a:stretch>
-        </p:blipFill>
-        <p:spPr bwMode="auto">
-          <a:xfrm>
-            <a:off x="539552" y="1556792"/>
-            <a:ext cx="6120680" cy="1334308"/>
-          </a:xfrm>
-          <a:prstGeom prst="rect">
-            <a:avLst/>
-          </a:prstGeom>
-          <a:noFill/>
-          <a:ln>
-            <a:noFill/>
-          </a:ln>
-          <a:extLst>
-            <a:ext uri="{909E8E84-426E-40DD-AFC4-6F175D3DCCD1}">
-              <a14:hiddenFill xmlns:a14="http://schemas.microsoft.com/office/drawing/2010/main">
-                <a:solidFill>
-                  <a:schemeClr val="accent1"/>
-                </a:solidFill>
-              </a14:hiddenFill>
-            </a:ext>
-            <a:ext uri="{91240B29-F687-4F45-9708-019B960494DF}">
-              <a14:hiddenLine xmlns:a14="http://schemas.microsoft.com/office/drawing/2010/main" w="9525">
-                <a:solidFill>
-                  <a:schemeClr val="tx1"/>
-                </a:solidFill>
-                <a:miter lim="800000"/>
-                <a:headEnd/>
-                <a:tailEnd/>
-              </a14:hiddenLine>
-            </a:ext>
-          </a:extLst>
-        </p:spPr>
-      </p:pic>
-      <p:pic>
-        <p:nvPicPr>
-          <p:cNvPr id="3075" name="Picture 3"/>
-          <p:cNvPicPr>
-            <a:picLocks noChangeAspect="1" noChangeArrowheads="1"/>
-          </p:cNvPicPr>
-          <p:nvPr/>
-        </p:nvPicPr>
-        <p:blipFill>
-          <a:blip r:embed="rId3">
-            <a:extLst>
-              <a:ext uri="{28A0092B-C50C-407E-A947-70E740481C1C}">
-                <a14:useLocalDpi xmlns:a14="http://schemas.microsoft.com/office/drawing/2010/main" val="0"/>
-              </a:ext>
-            </a:extLst>
-          </a:blip>
-          <a:srcRect/>
-          <a:stretch>
-            <a:fillRect/>
-          </a:stretch>
-        </p:blipFill>
-        <p:spPr bwMode="auto">
-          <a:xfrm>
-            <a:off x="539552" y="2998889"/>
-            <a:ext cx="8360196" cy="3193783"/>
-          </a:xfrm>
-          <a:prstGeom prst="rect">
-            <a:avLst/>
-          </a:prstGeom>
-          <a:noFill/>
-          <a:ln>
-            <a:noFill/>
-          </a:ln>
-          <a:extLst>
-            <a:ext uri="{909E8E84-426E-40DD-AFC4-6F175D3DCCD1}">
-              <a14:hiddenFill xmlns:a14="http://schemas.microsoft.com/office/drawing/2010/main">
-                <a:solidFill>
-                  <a:schemeClr val="accent1"/>
-                </a:solidFill>
-              </a14:hiddenFill>
-            </a:ext>
-            <a:ext uri="{91240B29-F687-4F45-9708-019B960494DF}">
-              <a14:hiddenLine xmlns:a14="http://schemas.microsoft.com/office/drawing/2010/main" w="9525">
-                <a:solidFill>
-                  <a:schemeClr val="tx1"/>
-                </a:solidFill>
-                <a:miter lim="800000"/>
-                <a:headEnd/>
-                <a:tailEnd/>
-              </a14:hiddenLine>
-            </a:ext>
-          </a:extLst>
-        </p:spPr>
-      </p:pic>
-    </p:spTree>
-    <p:extLst>
-      <p:ext uri="{BB962C8B-B14F-4D97-AF65-F5344CB8AC3E}">
-        <p14:creationId xmlns:p14="http://schemas.microsoft.com/office/powerpoint/2010/main" val="3662989136"/>
-      </p:ext>
-    </p:extLst>
-  </p:cSld>
-  <p:clrMapOvr>
-    <a:masterClrMapping/>
-  </p:clrMapOvr>
-  <p:timing>
-    <p:tnLst>
-      <p:par>
-        <p:cTn id="1" dur="indefinite" restart="never" nodeType="tmRoot"/>
-      </p:par>
-    </p:tnLst>
-  </p:timing>
-</p:sld>
-</file>
-
-<file path=ppt/slides/slide54.xml><?xml version="1.0" encoding="utf-8"?>
-<p:sld xmlns:a="http://schemas.openxmlformats.org/drawingml/2006/main" xmlns:r="http://schemas.openxmlformats.org/officeDocument/2006/relationships" xmlns:p="http://schemas.openxmlformats.org/presentationml/2006/main">
-  <p:cSld>
-    <p:spTree>
-      <p:nvGrpSpPr>
-        <p:cNvPr id="1" name=""/>
-        <p:cNvGrpSpPr/>
-        <p:nvPr/>
-      </p:nvGrpSpPr>
-      <p:grpSpPr>
-        <a:xfrm>
-          <a:off x="0" y="0"/>
-          <a:ext cx="0" cy="0"/>
-          <a:chOff x="0" y="0"/>
-          <a:chExt cx="0" cy="0"/>
-        </a:xfrm>
-      </p:grpSpPr>
-      <p:sp>
-        <p:nvSpPr>
-          <p:cNvPr id="18434" name="Content Placeholder 5"/>
-          <p:cNvSpPr>
-            <a:spLocks noGrp="1"/>
-          </p:cNvSpPr>
-          <p:nvPr>
-            <p:ph sz="quarter" idx="10"/>
-          </p:nvPr>
-        </p:nvSpPr>
-        <p:spPr>
-          <a:xfrm>
-            <a:off x="461963" y="1339850"/>
-            <a:ext cx="8208962" cy="4537422"/>
-          </a:xfrm>
-        </p:spPr>
-        <p:txBody>
-          <a:bodyPr/>
-          <a:lstStyle/>
-          <a:p>
-            <a:pPr>
-              <a:buBlip>
-                <a:blip r:embed="rId2"/>
-              </a:buBlip>
-            </a:pPr>
-            <a:r>
-              <a:rPr lang="es-MX" sz="2400" dirty="0" smtClean="0">
-                <a:latin typeface="Arial" charset="0"/>
-                <a:cs typeface="Arial" charset="0"/>
-              </a:rPr>
-              <a:t>Nos permite fácilmente validar un formulario a partir de ciertas reglas establecidas</a:t>
-            </a:r>
-          </a:p>
-          <a:p>
-            <a:pPr>
-              <a:buBlip>
-                <a:blip r:embed="rId2"/>
-              </a:buBlip>
-            </a:pPr>
-            <a:endParaRPr lang="es-MX" sz="2400" dirty="0">
-              <a:latin typeface="Arial" charset="0"/>
-              <a:cs typeface="Arial" charset="0"/>
-            </a:endParaRPr>
-          </a:p>
-          <a:p>
-            <a:pPr>
-              <a:buBlip>
-                <a:blip r:embed="rId2"/>
-              </a:buBlip>
-            </a:pPr>
-            <a:r>
-              <a:rPr lang="es-MX" sz="2400" dirty="0" smtClean="0">
-                <a:latin typeface="Arial" charset="0"/>
-                <a:cs typeface="Arial" charset="0"/>
-              </a:rPr>
-              <a:t>Nos permite validar que el texto introducido por el usuario cumpla con el formato de dato que se espera recibir</a:t>
-            </a:r>
-          </a:p>
-          <a:p>
-            <a:pPr>
-              <a:buBlip>
-                <a:blip r:embed="rId2"/>
-              </a:buBlip>
-            </a:pPr>
-            <a:endParaRPr lang="es-MX" sz="2400" dirty="0">
-              <a:latin typeface="Arial" charset="0"/>
-              <a:cs typeface="Arial" charset="0"/>
-            </a:endParaRPr>
-          </a:p>
-          <a:p>
-            <a:pPr>
-              <a:buBlip>
-                <a:blip r:embed="rId2"/>
-              </a:buBlip>
-            </a:pPr>
-            <a:r>
-              <a:rPr lang="es-MX" sz="2400" dirty="0" smtClean="0">
-                <a:latin typeface="Arial" charset="0"/>
-                <a:cs typeface="Arial" charset="0"/>
-              </a:rPr>
-              <a:t>Recordar incluir el script </a:t>
-            </a:r>
-            <a:r>
-              <a:rPr lang="es-AR" sz="2400" i="1" dirty="0" smtClean="0"/>
-              <a:t>jquery.validate.js</a:t>
-            </a:r>
-            <a:r>
-              <a:rPr lang="es-AR" sz="2400" dirty="0" smtClean="0"/>
-              <a:t> para incorporar la funcionalidad del plugin</a:t>
-            </a:r>
-            <a:endParaRPr lang="es-AR" sz="2400" i="1" dirty="0" smtClean="0"/>
-          </a:p>
-          <a:p>
-            <a:pPr>
-              <a:buBlip>
-                <a:blip r:embed="rId2"/>
-              </a:buBlip>
-            </a:pPr>
-            <a:endParaRPr lang="es-AR" sz="2400" i="1" dirty="0">
-              <a:latin typeface="Arial" charset="0"/>
-              <a:cs typeface="Arial" charset="0"/>
-            </a:endParaRPr>
-          </a:p>
-          <a:p>
-            <a:pPr>
-              <a:buBlip>
-                <a:blip r:embed="rId2"/>
-              </a:buBlip>
-            </a:pPr>
-            <a:endParaRPr lang="es-MX" sz="2400" dirty="0" smtClean="0">
-              <a:latin typeface="Arial" charset="0"/>
-              <a:cs typeface="Arial" charset="0"/>
-            </a:endParaRPr>
-          </a:p>
-          <a:p>
-            <a:pPr marL="0" indent="0">
-              <a:buNone/>
-            </a:pPr>
-            <a:endParaRPr lang="es-MX" sz="2400" dirty="0" smtClean="0">
-              <a:latin typeface="Arial" charset="0"/>
-              <a:cs typeface="Arial" charset="0"/>
-            </a:endParaRPr>
-          </a:p>
-          <a:p>
-            <a:pPr marL="0" indent="0">
-              <a:buNone/>
-            </a:pPr>
-            <a:endParaRPr lang="es-MX" sz="2400" dirty="0" smtClean="0">
-              <a:latin typeface="Arial" charset="0"/>
-              <a:cs typeface="Arial" charset="0"/>
-            </a:endParaRPr>
-          </a:p>
-          <a:p>
-            <a:pPr>
-              <a:buBlip>
-                <a:blip r:embed="rId2"/>
-              </a:buBlip>
-            </a:pPr>
-            <a:endParaRPr lang="es-MX" sz="2400" b="1" dirty="0">
-              <a:latin typeface="Arial" charset="0"/>
-              <a:cs typeface="Arial" charset="0"/>
-            </a:endParaRPr>
-          </a:p>
-          <a:p>
-            <a:pPr>
-              <a:buBlip>
-                <a:blip r:embed="rId2"/>
-              </a:buBlip>
-            </a:pPr>
-            <a:endParaRPr lang="es-MX" sz="2000" b="1" dirty="0" smtClean="0">
-              <a:latin typeface="Arial" charset="0"/>
-              <a:cs typeface="Arial" charset="0"/>
-            </a:endParaRPr>
-          </a:p>
-          <a:p>
-            <a:pPr lvl="1"/>
-            <a:endParaRPr lang="es-MX" sz="2000" dirty="0" smtClean="0">
-              <a:latin typeface="Arial" charset="0"/>
-              <a:cs typeface="Arial" charset="0"/>
-            </a:endParaRPr>
-          </a:p>
-          <a:p>
-            <a:endParaRPr lang="es-MX" sz="2400" dirty="0" smtClean="0">
-              <a:latin typeface="Arial" charset="0"/>
-              <a:cs typeface="Arial" charset="0"/>
-            </a:endParaRPr>
-          </a:p>
-          <a:p>
-            <a:endParaRPr lang="es-MX" sz="2400" dirty="0" smtClean="0">
-              <a:latin typeface="Arial" charset="0"/>
-              <a:cs typeface="Arial" charset="0"/>
-            </a:endParaRPr>
-          </a:p>
-        </p:txBody>
-      </p:sp>
-      <p:sp>
-        <p:nvSpPr>
-          <p:cNvPr id="18435" name="Title 4"/>
-          <p:cNvSpPr>
-            <a:spLocks noGrp="1"/>
-          </p:cNvSpPr>
-          <p:nvPr>
-            <p:ph type="title"/>
-          </p:nvPr>
-        </p:nvSpPr>
-        <p:spPr>
-          <a:xfrm>
-            <a:off x="457200" y="192088"/>
-            <a:ext cx="6131024" cy="849312"/>
-          </a:xfrm>
-          <a:ln/>
-        </p:spPr>
-        <p:txBody>
-          <a:bodyPr>
-            <a:normAutofit fontScale="90000"/>
-          </a:bodyPr>
-          <a:lstStyle/>
-          <a:p>
-            <a:pPr algn="l"/>
-            <a:r>
-              <a:rPr lang="es-MX" sz="3200" dirty="0" err="1" smtClean="0">
-                <a:solidFill>
-                  <a:schemeClr val="accent1"/>
-                </a:solidFill>
-                <a:latin typeface="Arial" charset="0"/>
-                <a:cs typeface="Arial" charset="0"/>
-              </a:rPr>
-              <a:t>Plugins</a:t>
-            </a:r>
-            <a:r>
-              <a:rPr lang="es-MX" sz="3200" dirty="0" smtClean="0">
-                <a:solidFill>
-                  <a:schemeClr val="accent1"/>
-                </a:solidFill>
-                <a:latin typeface="Arial" charset="0"/>
-                <a:cs typeface="Arial" charset="0"/>
-              </a:rPr>
-              <a:t> de </a:t>
-            </a:r>
-            <a:r>
-              <a:rPr lang="es-MX" sz="3200" dirty="0" err="1" smtClean="0">
-                <a:solidFill>
-                  <a:schemeClr val="accent1"/>
-                </a:solidFill>
-                <a:latin typeface="Arial" charset="0"/>
-                <a:cs typeface="Arial" charset="0"/>
-              </a:rPr>
-              <a:t>jQuery</a:t>
-            </a:r>
-            <a:r>
-              <a:rPr lang="es-MX" sz="3200" dirty="0" smtClean="0">
-                <a:solidFill>
-                  <a:schemeClr val="accent1"/>
-                </a:solidFill>
-                <a:latin typeface="Arial" charset="0"/>
-                <a:cs typeface="Arial" charset="0"/>
-              </a:rPr>
-              <a:t/>
-            </a:r>
-            <a:br>
-              <a:rPr lang="es-MX" sz="3200" dirty="0" smtClean="0">
-                <a:solidFill>
-                  <a:schemeClr val="accent1"/>
-                </a:solidFill>
-                <a:latin typeface="Arial" charset="0"/>
-                <a:cs typeface="Arial" charset="0"/>
-              </a:rPr>
-            </a:br>
-            <a:r>
-              <a:rPr lang="es-MX" sz="2400" u="sng" dirty="0" smtClean="0">
-                <a:solidFill>
-                  <a:schemeClr val="accent1"/>
-                </a:solidFill>
-                <a:latin typeface="Arial" charset="0"/>
-                <a:cs typeface="Arial" charset="0"/>
-              </a:rPr>
-              <a:t>Validación de formularios</a:t>
-            </a:r>
-          </a:p>
-        </p:txBody>
-      </p:sp>
-      <p:sp>
-        <p:nvSpPr>
-          <p:cNvPr id="4" name="Slide Number Placeholder 3"/>
-          <p:cNvSpPr>
-            <a:spLocks noGrp="1"/>
-          </p:cNvSpPr>
-          <p:nvPr>
-            <p:ph type="sldNum" sz="quarter" idx="11"/>
-          </p:nvPr>
-        </p:nvSpPr>
-        <p:spPr/>
-        <p:txBody>
-          <a:bodyPr/>
-          <a:lstStyle/>
-          <a:p>
-            <a:pPr>
-              <a:defRPr/>
-            </a:pPr>
-            <a:fld id="{A8A81EB8-FB27-4579-BFBD-692F3399D043}" type="slidenum">
-              <a:rPr lang="es-MX" smtClean="0"/>
-              <a:pPr>
-                <a:defRPr/>
-              </a:pPr>
-              <a:t>54</a:t>
-            </a:fld>
-            <a:endParaRPr lang="es-MX"/>
-          </a:p>
-        </p:txBody>
-      </p:sp>
-      <p:sp>
-        <p:nvSpPr>
-          <p:cNvPr id="2" name="1 CuadroTexto"/>
-          <p:cNvSpPr txBox="1"/>
-          <p:nvPr/>
-        </p:nvSpPr>
-        <p:spPr>
-          <a:xfrm>
-            <a:off x="1475656" y="2996952"/>
-            <a:ext cx="72008" cy="369332"/>
-          </a:xfrm>
-          <a:prstGeom prst="rect">
-            <a:avLst/>
-          </a:prstGeom>
-          <a:noFill/>
-        </p:spPr>
-        <p:txBody>
-          <a:bodyPr wrap="square" rtlCol="0">
-            <a:spAutoFit/>
-          </a:bodyPr>
-          <a:lstStyle/>
-          <a:p>
-            <a:endParaRPr lang="es-AR" dirty="0"/>
-          </a:p>
-        </p:txBody>
-      </p:sp>
-    </p:spTree>
-    <p:extLst>
-      <p:ext uri="{BB962C8B-B14F-4D97-AF65-F5344CB8AC3E}">
-        <p14:creationId xmlns:p14="http://schemas.microsoft.com/office/powerpoint/2010/main" val="4091534527"/>
-      </p:ext>
-    </p:extLst>
-  </p:cSld>
-  <p:clrMapOvr>
-    <a:masterClrMapping/>
-  </p:clrMapOvr>
-  <p:timing>
-    <p:tnLst>
-      <p:par>
-        <p:cTn id="1" dur="indefinite" restart="never" nodeType="tmRoot"/>
-      </p:par>
-    </p:tnLst>
-  </p:timing>
-</p:sld>
-</file>
-
-<file path=ppt/slides/slide55.xml><?xml version="1.0" encoding="utf-8"?>
-<p:sld xmlns:a="http://schemas.openxmlformats.org/drawingml/2006/main" xmlns:r="http://schemas.openxmlformats.org/officeDocument/2006/relationships" xmlns:p="http://schemas.openxmlformats.org/presentationml/2006/main">
-  <p:cSld>
-    <p:spTree>
-      <p:nvGrpSpPr>
-        <p:cNvPr id="1" name=""/>
-        <p:cNvGrpSpPr/>
-        <p:nvPr/>
-      </p:nvGrpSpPr>
-      <p:grpSpPr>
-        <a:xfrm>
-          <a:off x="0" y="0"/>
-          <a:ext cx="0" cy="0"/>
-          <a:chOff x="0" y="0"/>
-          <a:chExt cx="0" cy="0"/>
-        </a:xfrm>
-      </p:grpSpPr>
-      <p:sp>
-        <p:nvSpPr>
-          <p:cNvPr id="18434" name="Content Placeholder 5"/>
-          <p:cNvSpPr>
-            <a:spLocks noGrp="1"/>
-          </p:cNvSpPr>
-          <p:nvPr>
-            <p:ph sz="quarter" idx="10"/>
-          </p:nvPr>
-        </p:nvSpPr>
-        <p:spPr>
-          <a:xfrm>
-            <a:off x="461963" y="1339850"/>
-            <a:ext cx="8208962" cy="5041478"/>
-          </a:xfrm>
-        </p:spPr>
-        <p:txBody>
-          <a:bodyPr/>
-          <a:lstStyle/>
-          <a:p>
-            <a:r>
-              <a:rPr lang="es-AR" sz="1600" b="1" dirty="0" smtClean="0">
-                <a:latin typeface="Arial" charset="0"/>
-                <a:cs typeface="Arial" charset="0"/>
-              </a:rPr>
-              <a:t>Reglas:</a:t>
-            </a:r>
-          </a:p>
-          <a:p>
-            <a:pPr marL="0" indent="0">
-              <a:buNone/>
-            </a:pPr>
-            <a:endParaRPr lang="es-AR" sz="1400" i="1" dirty="0">
-              <a:latin typeface="Arial" charset="0"/>
-              <a:cs typeface="Arial" charset="0"/>
-            </a:endParaRPr>
-          </a:p>
-          <a:p>
-            <a:pPr marL="400050" lvl="1" indent="0">
-              <a:buNone/>
-            </a:pPr>
-            <a:r>
-              <a:rPr lang="es-AR" sz="1400" i="1" dirty="0" err="1" smtClean="0">
-                <a:latin typeface="Arial" charset="0"/>
-                <a:cs typeface="Arial" charset="0"/>
-              </a:rPr>
-              <a:t>var</a:t>
-            </a:r>
-            <a:r>
-              <a:rPr lang="es-AR" sz="1400" i="1" dirty="0" smtClean="0">
-                <a:latin typeface="Arial" charset="0"/>
-                <a:cs typeface="Arial" charset="0"/>
-              </a:rPr>
-              <a:t> </a:t>
-            </a:r>
-            <a:r>
-              <a:rPr lang="es-AR" sz="1400" i="1" dirty="0" err="1" smtClean="0">
-                <a:latin typeface="Arial" charset="0"/>
-                <a:cs typeface="Arial" charset="0"/>
-              </a:rPr>
-              <a:t>validations</a:t>
-            </a:r>
-            <a:r>
-              <a:rPr lang="es-AR" sz="1400" i="1" dirty="0" smtClean="0">
-                <a:latin typeface="Arial" charset="0"/>
-                <a:cs typeface="Arial" charset="0"/>
-              </a:rPr>
-              <a:t> = {</a:t>
-            </a:r>
-          </a:p>
-          <a:p>
-            <a:pPr marL="400050" lvl="1" indent="0">
-              <a:buNone/>
-            </a:pPr>
-            <a:r>
-              <a:rPr lang="es-AR" sz="1400" i="1" dirty="0" err="1" smtClean="0">
-                <a:latin typeface="Arial" charset="0"/>
-                <a:cs typeface="Arial" charset="0"/>
-              </a:rPr>
-              <a:t>messages</a:t>
-            </a:r>
-            <a:r>
-              <a:rPr lang="es-AR" sz="1400" i="1" dirty="0" smtClean="0">
-                <a:latin typeface="Arial" charset="0"/>
-                <a:cs typeface="Arial" charset="0"/>
-              </a:rPr>
-              <a:t>:{</a:t>
-            </a:r>
-          </a:p>
-          <a:p>
-            <a:pPr marL="400050" lvl="1" indent="0">
-              <a:buNone/>
-            </a:pPr>
-            <a:r>
-              <a:rPr lang="es-AR" sz="1400" i="1" dirty="0" smtClean="0">
-                <a:latin typeface="Arial" charset="0"/>
-                <a:cs typeface="Arial" charset="0"/>
-              </a:rPr>
-              <a:t>	</a:t>
-            </a:r>
-            <a:r>
-              <a:rPr lang="es-AR" sz="1400" i="1" dirty="0" err="1" smtClean="0">
-                <a:latin typeface="Arial" charset="0"/>
-                <a:cs typeface="Arial" charset="0"/>
-              </a:rPr>
-              <a:t>edadCliente</a:t>
-            </a:r>
-            <a:r>
-              <a:rPr lang="es-AR" sz="1400" i="1" dirty="0" smtClean="0">
-                <a:latin typeface="Arial" charset="0"/>
-                <a:cs typeface="Arial" charset="0"/>
-              </a:rPr>
-              <a:t>: {</a:t>
-            </a:r>
-          </a:p>
-          <a:p>
-            <a:pPr marL="400050" lvl="1" indent="0">
-              <a:buNone/>
-            </a:pPr>
-            <a:r>
-              <a:rPr lang="es-AR" sz="1400" i="1" dirty="0" smtClean="0">
-                <a:latin typeface="Arial" charset="0"/>
-                <a:cs typeface="Arial" charset="0"/>
-              </a:rPr>
-              <a:t>		</a:t>
-            </a:r>
-            <a:r>
-              <a:rPr lang="es-AR" sz="1400" i="1" dirty="0" err="1" smtClean="0">
-                <a:latin typeface="Arial" charset="0"/>
-                <a:cs typeface="Arial" charset="0"/>
-              </a:rPr>
-              <a:t>required</a:t>
-            </a:r>
-            <a:r>
-              <a:rPr lang="es-AR" sz="1400" i="1" dirty="0" smtClean="0">
-                <a:latin typeface="Arial" charset="0"/>
-                <a:cs typeface="Arial" charset="0"/>
-              </a:rPr>
-              <a:t> : "Se necesita completar este campo"</a:t>
-            </a:r>
-          </a:p>
-          <a:p>
-            <a:pPr marL="400050" lvl="1" indent="0">
-              <a:buNone/>
-            </a:pPr>
-            <a:r>
-              <a:rPr lang="es-AR" sz="1400" i="1" dirty="0" smtClean="0">
-                <a:latin typeface="Arial" charset="0"/>
-                <a:cs typeface="Arial" charset="0"/>
-              </a:rPr>
-              <a:t>	}</a:t>
-            </a:r>
-          </a:p>
-          <a:p>
-            <a:pPr marL="400050" lvl="1" indent="0">
-              <a:buNone/>
-            </a:pPr>
-            <a:r>
-              <a:rPr lang="es-AR" sz="1400" i="1" dirty="0" smtClean="0">
-                <a:latin typeface="Arial" charset="0"/>
-                <a:cs typeface="Arial" charset="0"/>
-              </a:rPr>
-              <a:t>},</a:t>
-            </a:r>
-          </a:p>
-          <a:p>
-            <a:pPr marL="400050" lvl="1" indent="0">
-              <a:buNone/>
-            </a:pPr>
-            <a:r>
-              <a:rPr lang="es-AR" sz="1400" i="1" dirty="0" smtClean="0">
-                <a:latin typeface="Arial" charset="0"/>
-                <a:cs typeface="Arial" charset="0"/>
-              </a:rPr>
-              <a:t>rules:{</a:t>
-            </a:r>
-          </a:p>
-          <a:p>
-            <a:pPr marL="400050" lvl="1" indent="0">
-              <a:buNone/>
-            </a:pPr>
-            <a:r>
-              <a:rPr lang="es-AR" sz="1400" i="1" dirty="0" smtClean="0">
-                <a:latin typeface="Arial" charset="0"/>
-                <a:cs typeface="Arial" charset="0"/>
-              </a:rPr>
-              <a:t>	</a:t>
-            </a:r>
-            <a:r>
-              <a:rPr lang="es-AR" sz="1400" i="1" dirty="0" err="1" smtClean="0">
-                <a:latin typeface="Arial" charset="0"/>
-                <a:cs typeface="Arial" charset="0"/>
-              </a:rPr>
-              <a:t>edadCliente</a:t>
-            </a:r>
-            <a:r>
-              <a:rPr lang="es-AR" sz="1400" i="1" dirty="0" smtClean="0">
-                <a:latin typeface="Arial" charset="0"/>
-                <a:cs typeface="Arial" charset="0"/>
-              </a:rPr>
-              <a:t> : {</a:t>
-            </a:r>
-          </a:p>
-          <a:p>
-            <a:pPr marL="400050" lvl="1" indent="0">
-              <a:buNone/>
-            </a:pPr>
-            <a:r>
-              <a:rPr lang="es-AR" sz="1400" i="1" dirty="0" smtClean="0">
-                <a:latin typeface="Arial" charset="0"/>
-                <a:cs typeface="Arial" charset="0"/>
-              </a:rPr>
-              <a:t>		</a:t>
-            </a:r>
-            <a:r>
-              <a:rPr lang="es-AR" sz="1400" i="1" dirty="0" err="1" smtClean="0">
-                <a:latin typeface="Arial" charset="0"/>
-                <a:cs typeface="Arial" charset="0"/>
-              </a:rPr>
-              <a:t>required</a:t>
-            </a:r>
-            <a:r>
-              <a:rPr lang="es-AR" sz="1400" i="1" dirty="0" smtClean="0">
-                <a:latin typeface="Arial" charset="0"/>
-                <a:cs typeface="Arial" charset="0"/>
-              </a:rPr>
-              <a:t> : true </a:t>
-            </a:r>
-          </a:p>
-          <a:p>
-            <a:pPr marL="400050" lvl="1" indent="0">
-              <a:buNone/>
-            </a:pPr>
-            <a:r>
-              <a:rPr lang="es-AR" sz="1400" i="1" dirty="0" smtClean="0">
-                <a:latin typeface="Arial" charset="0"/>
-                <a:cs typeface="Arial" charset="0"/>
-              </a:rPr>
-              <a:t>	}</a:t>
-            </a:r>
-          </a:p>
-          <a:p>
-            <a:pPr marL="400050" lvl="1" indent="0">
-              <a:buNone/>
-            </a:pPr>
-            <a:r>
-              <a:rPr lang="es-AR" sz="1400" i="1" dirty="0" smtClean="0">
-                <a:latin typeface="Arial" charset="0"/>
-                <a:cs typeface="Arial" charset="0"/>
-              </a:rPr>
-              <a:t>}</a:t>
-            </a:r>
-          </a:p>
-          <a:p>
-            <a:pPr marL="0" indent="0">
-              <a:buNone/>
-            </a:pPr>
-            <a:endParaRPr lang="es-AR" sz="1400" i="1" dirty="0" smtClean="0">
-              <a:latin typeface="Arial" charset="0"/>
-              <a:cs typeface="Arial" charset="0"/>
-            </a:endParaRPr>
-          </a:p>
-          <a:p>
-            <a:r>
-              <a:rPr lang="es-MX" sz="1600" b="1" dirty="0" smtClean="0">
-                <a:latin typeface="Arial" charset="0"/>
-                <a:cs typeface="Arial" charset="0"/>
-              </a:rPr>
-              <a:t>Agregar reglas de validación:</a:t>
-            </a:r>
-          </a:p>
-          <a:p>
-            <a:pPr marL="0" indent="0">
-              <a:buNone/>
-            </a:pPr>
-            <a:endParaRPr lang="es-MX" sz="2400" dirty="0">
-              <a:latin typeface="Arial" charset="0"/>
-              <a:cs typeface="Arial" charset="0"/>
-            </a:endParaRPr>
-          </a:p>
-          <a:p>
-            <a:pPr marL="400050" lvl="1" indent="0">
-              <a:buNone/>
-            </a:pPr>
-            <a:r>
-              <a:rPr lang="es-MX" sz="1400" i="1" dirty="0" smtClean="0">
-                <a:latin typeface="Arial" charset="0"/>
-                <a:cs typeface="Arial" charset="0"/>
-              </a:rPr>
-              <a:t>$("</a:t>
-            </a:r>
-            <a:r>
-              <a:rPr lang="es-MX" sz="1400" i="1" dirty="0" err="1" smtClean="0">
-                <a:latin typeface="Arial" charset="0"/>
-                <a:cs typeface="Arial" charset="0"/>
-              </a:rPr>
-              <a:t>form#formularioCliente</a:t>
-            </a:r>
-            <a:r>
-              <a:rPr lang="es-MX" sz="1400" i="1" dirty="0" smtClean="0">
-                <a:latin typeface="Arial" charset="0"/>
-                <a:cs typeface="Arial" charset="0"/>
-              </a:rPr>
-              <a:t>").</a:t>
-            </a:r>
-            <a:r>
-              <a:rPr lang="es-MX" sz="1400" i="1" dirty="0" err="1">
-                <a:latin typeface="Arial" charset="0"/>
-                <a:cs typeface="Arial" charset="0"/>
-              </a:rPr>
-              <a:t>validate</a:t>
-            </a:r>
-            <a:r>
-              <a:rPr lang="es-MX" sz="1400" i="1" dirty="0">
-                <a:latin typeface="Arial" charset="0"/>
-                <a:cs typeface="Arial" charset="0"/>
-              </a:rPr>
-              <a:t>(</a:t>
-            </a:r>
-            <a:r>
-              <a:rPr lang="es-MX" sz="1400" i="1" dirty="0" err="1">
-                <a:latin typeface="Arial" charset="0"/>
-                <a:cs typeface="Arial" charset="0"/>
-              </a:rPr>
-              <a:t>validations</a:t>
-            </a:r>
-            <a:r>
-              <a:rPr lang="es-MX" sz="1400" i="1" dirty="0">
-                <a:latin typeface="Arial" charset="0"/>
-                <a:cs typeface="Arial" charset="0"/>
-              </a:rPr>
-              <a:t>);</a:t>
-            </a:r>
-            <a:endParaRPr lang="es-MX" sz="1400" i="1" dirty="0" smtClean="0">
-              <a:latin typeface="Arial" charset="0"/>
-              <a:cs typeface="Arial" charset="0"/>
-            </a:endParaRPr>
-          </a:p>
-          <a:p>
-            <a:pPr>
-              <a:buBlip>
-                <a:blip r:embed="rId2"/>
-              </a:buBlip>
-            </a:pPr>
-            <a:endParaRPr lang="es-MX" sz="2400" b="1" dirty="0">
-              <a:latin typeface="Arial" charset="0"/>
-              <a:cs typeface="Arial" charset="0"/>
-            </a:endParaRPr>
-          </a:p>
-          <a:p>
-            <a:pPr>
-              <a:buBlip>
-                <a:blip r:embed="rId2"/>
-              </a:buBlip>
-            </a:pPr>
-            <a:endParaRPr lang="es-MX" sz="2000" b="1" dirty="0" smtClean="0">
-              <a:latin typeface="Arial" charset="0"/>
-              <a:cs typeface="Arial" charset="0"/>
-            </a:endParaRPr>
-          </a:p>
-          <a:p>
-            <a:pPr lvl="1"/>
-            <a:endParaRPr lang="es-MX" sz="2000" dirty="0" smtClean="0">
-              <a:latin typeface="Arial" charset="0"/>
-              <a:cs typeface="Arial" charset="0"/>
-            </a:endParaRPr>
-          </a:p>
-          <a:p>
-            <a:endParaRPr lang="es-MX" sz="2400" dirty="0" smtClean="0">
-              <a:latin typeface="Arial" charset="0"/>
-              <a:cs typeface="Arial" charset="0"/>
-            </a:endParaRPr>
-          </a:p>
-          <a:p>
-            <a:endParaRPr lang="es-MX" sz="2400" dirty="0" smtClean="0">
-              <a:latin typeface="Arial" charset="0"/>
-              <a:cs typeface="Arial" charset="0"/>
-            </a:endParaRPr>
-          </a:p>
-        </p:txBody>
-      </p:sp>
-      <p:sp>
-        <p:nvSpPr>
-          <p:cNvPr id="18435" name="Title 4"/>
-          <p:cNvSpPr>
-            <a:spLocks noGrp="1"/>
-          </p:cNvSpPr>
-          <p:nvPr>
-            <p:ph type="title"/>
-          </p:nvPr>
-        </p:nvSpPr>
-        <p:spPr>
-          <a:xfrm>
-            <a:off x="457200" y="192088"/>
-            <a:ext cx="6131024" cy="1148680"/>
-          </a:xfrm>
-          <a:ln/>
-        </p:spPr>
-        <p:txBody>
-          <a:bodyPr/>
-          <a:lstStyle/>
-          <a:p>
-            <a:pPr algn="l"/>
-            <a:r>
-              <a:rPr lang="es-MX" sz="4000" dirty="0" err="1">
-                <a:solidFill>
-                  <a:schemeClr val="accent1"/>
-                </a:solidFill>
-                <a:latin typeface="Arial" charset="0"/>
-                <a:cs typeface="Arial" charset="0"/>
-              </a:rPr>
-              <a:t>Plugins</a:t>
-            </a:r>
-            <a:r>
-              <a:rPr lang="es-MX" sz="4000" dirty="0">
-                <a:solidFill>
-                  <a:schemeClr val="accent1"/>
-                </a:solidFill>
-                <a:latin typeface="Arial" charset="0"/>
-                <a:cs typeface="Arial" charset="0"/>
-              </a:rPr>
-              <a:t> de </a:t>
-            </a:r>
-            <a:r>
-              <a:rPr lang="es-MX" sz="4000" dirty="0" err="1">
-                <a:solidFill>
-                  <a:schemeClr val="accent1"/>
-                </a:solidFill>
-                <a:latin typeface="Arial" charset="0"/>
-                <a:cs typeface="Arial" charset="0"/>
-              </a:rPr>
-              <a:t>jQuery</a:t>
-            </a:r>
-            <a:r>
-              <a:rPr lang="es-MX" sz="4000" dirty="0">
-                <a:solidFill>
-                  <a:schemeClr val="accent1"/>
-                </a:solidFill>
-                <a:latin typeface="Arial" charset="0"/>
-                <a:cs typeface="Arial" charset="0"/>
-              </a:rPr>
-              <a:t/>
-            </a:r>
-            <a:br>
-              <a:rPr lang="es-MX" sz="4000" dirty="0">
-                <a:solidFill>
-                  <a:schemeClr val="accent1"/>
-                </a:solidFill>
-                <a:latin typeface="Arial" charset="0"/>
-                <a:cs typeface="Arial" charset="0"/>
-              </a:rPr>
-            </a:br>
-            <a:r>
-              <a:rPr lang="es-MX" sz="2400" u="sng" dirty="0">
-                <a:solidFill>
-                  <a:schemeClr val="accent1"/>
-                </a:solidFill>
-                <a:latin typeface="Arial" charset="0"/>
-                <a:cs typeface="Arial" charset="0"/>
-              </a:rPr>
-              <a:t>Validación de formularios</a:t>
-            </a:r>
-            <a:endParaRPr lang="es-MX" sz="2400" u="sng" dirty="0" smtClean="0">
-              <a:solidFill>
-                <a:schemeClr val="accent1"/>
-              </a:solidFill>
-              <a:latin typeface="Arial" charset="0"/>
-              <a:cs typeface="Arial" charset="0"/>
-            </a:endParaRPr>
-          </a:p>
-        </p:txBody>
-      </p:sp>
-      <p:sp>
-        <p:nvSpPr>
-          <p:cNvPr id="4" name="Slide Number Placeholder 3"/>
-          <p:cNvSpPr>
-            <a:spLocks noGrp="1"/>
-          </p:cNvSpPr>
-          <p:nvPr>
-            <p:ph type="sldNum" sz="quarter" idx="11"/>
-          </p:nvPr>
-        </p:nvSpPr>
-        <p:spPr/>
-        <p:txBody>
-          <a:bodyPr/>
-          <a:lstStyle/>
-          <a:p>
-            <a:pPr>
-              <a:defRPr/>
-            </a:pPr>
-            <a:fld id="{A8A81EB8-FB27-4579-BFBD-692F3399D043}" type="slidenum">
-              <a:rPr lang="es-MX" smtClean="0"/>
-              <a:pPr>
-                <a:defRPr/>
-              </a:pPr>
-              <a:t>55</a:t>
-            </a:fld>
-            <a:endParaRPr lang="es-MX"/>
-          </a:p>
-        </p:txBody>
-      </p:sp>
-      <p:sp>
-        <p:nvSpPr>
-          <p:cNvPr id="2" name="1 CuadroTexto"/>
-          <p:cNvSpPr txBox="1"/>
-          <p:nvPr/>
-        </p:nvSpPr>
-        <p:spPr>
-          <a:xfrm>
-            <a:off x="1475656" y="2996952"/>
-            <a:ext cx="72008" cy="369332"/>
-          </a:xfrm>
-          <a:prstGeom prst="rect">
-            <a:avLst/>
-          </a:prstGeom>
-          <a:noFill/>
-        </p:spPr>
-        <p:txBody>
-          <a:bodyPr wrap="square" rtlCol="0">
-            <a:spAutoFit/>
-          </a:bodyPr>
-          <a:lstStyle/>
-          <a:p>
-            <a:endParaRPr lang="es-AR" dirty="0"/>
-          </a:p>
-        </p:txBody>
-      </p:sp>
-      <p:pic>
-        <p:nvPicPr>
-          <p:cNvPr id="1026" name="Picture 2"/>
-          <p:cNvPicPr>
-            <a:picLocks noChangeAspect="1" noChangeArrowheads="1"/>
-          </p:cNvPicPr>
-          <p:nvPr/>
-        </p:nvPicPr>
-        <p:blipFill>
-          <a:blip>
-            <a:extLst>
-              <a:ext uri="{28A0092B-C50C-407E-A947-70E740481C1C}">
-                <a14:useLocalDpi xmlns:a14="http://schemas.microsoft.com/office/drawing/2010/main" val="0"/>
-              </a:ext>
-            </a:extLst>
-          </a:blip>
-          <a:srcRect/>
-          <a:stretch>
-            <a:fillRect/>
-          </a:stretch>
-        </p:blipFill>
-        <p:spPr bwMode="auto">
-          <a:xfrm>
-            <a:off x="4258132" y="4155740"/>
-            <a:ext cx="4629086" cy="648072"/>
-          </a:xfrm>
-          <a:prstGeom prst="rect">
-            <a:avLst/>
-          </a:prstGeom>
-          <a:noFill/>
-          <a:ln>
-            <a:noFill/>
-          </a:ln>
-          <a:extLst>
-            <a:ext uri="{909E8E84-426E-40DD-AFC4-6F175D3DCCD1}">
-              <a14:hiddenFill xmlns:a14="http://schemas.microsoft.com/office/drawing/2010/main">
-                <a:solidFill>
-                  <a:schemeClr val="accent1"/>
-                </a:solidFill>
-              </a14:hiddenFill>
-            </a:ext>
-            <a:ext uri="{91240B29-F687-4F45-9708-019B960494DF}">
-              <a14:hiddenLine xmlns:a14="http://schemas.microsoft.com/office/drawing/2010/main" w="9525">
-                <a:solidFill>
-                  <a:schemeClr val="tx1"/>
-                </a:solidFill>
-                <a:miter lim="800000"/>
-                <a:headEnd/>
-                <a:tailEnd/>
-              </a14:hiddenLine>
-            </a:ext>
-          </a:extLst>
-        </p:spPr>
-      </p:pic>
-    </p:spTree>
-    <p:extLst>
-      <p:ext uri="{BB962C8B-B14F-4D97-AF65-F5344CB8AC3E}">
-        <p14:creationId xmlns:p14="http://schemas.microsoft.com/office/powerpoint/2010/main" val="2667793322"/>
-      </p:ext>
-    </p:extLst>
-  </p:cSld>
-  <p:clrMapOvr>
-    <a:masterClrMapping/>
-  </p:clrMapOvr>
-  <p:timing>
-    <p:tnLst>
-      <p:par>
-        <p:cTn id="1" dur="indefinite" restart="never" nodeType="tmRoot"/>
-      </p:par>
-    </p:tnLst>
-  </p:timing>
-</p:sld>
-</file>
-
-<file path=ppt/slides/slide56.xml><?xml version="1.0" encoding="utf-8"?>
-<p:sld xmlns:a="http://schemas.openxmlformats.org/drawingml/2006/main" xmlns:r="http://schemas.openxmlformats.org/officeDocument/2006/relationships" xmlns:p="http://schemas.openxmlformats.org/presentationml/2006/main">
-  <p:cSld>
-    <p:spTree>
-      <p:nvGrpSpPr>
-        <p:cNvPr id="1" name=""/>
-        <p:cNvGrpSpPr/>
-        <p:nvPr/>
-      </p:nvGrpSpPr>
-      <p:grpSpPr>
-        <a:xfrm>
-          <a:off x="0" y="0"/>
-          <a:ext cx="0" cy="0"/>
-          <a:chOff x="0" y="0"/>
-          <a:chExt cx="0" cy="0"/>
-        </a:xfrm>
-      </p:grpSpPr>
-      <p:sp>
-        <p:nvSpPr>
-          <p:cNvPr id="18434" name="Content Placeholder 5"/>
-          <p:cNvSpPr>
-            <a:spLocks noGrp="1"/>
-          </p:cNvSpPr>
-          <p:nvPr>
-            <p:ph sz="quarter" idx="10"/>
-          </p:nvPr>
-        </p:nvSpPr>
-        <p:spPr>
-          <a:xfrm>
-            <a:off x="461963" y="1339850"/>
-            <a:ext cx="8208962" cy="4537422"/>
-          </a:xfrm>
-        </p:spPr>
-        <p:txBody>
-          <a:bodyPr/>
-          <a:lstStyle/>
-          <a:p>
-            <a:pPr>
-              <a:buBlip>
-                <a:blip r:embed="rId2"/>
-              </a:buBlip>
-            </a:pPr>
-            <a:r>
-              <a:rPr lang="es-AR" sz="2400" dirty="0" smtClean="0">
-                <a:latin typeface="Arial" charset="0"/>
-                <a:cs typeface="Arial" charset="0"/>
-              </a:rPr>
-              <a:t>A su vez, se pueden realizar otras validaciones además de si es requerido:</a:t>
-            </a:r>
-          </a:p>
-          <a:p>
-            <a:pPr lvl="1">
-              <a:buBlip>
-                <a:blip r:embed="rId2"/>
-              </a:buBlip>
-            </a:pPr>
-            <a:r>
-              <a:rPr lang="es-AR" sz="2000" i="1" dirty="0" err="1" smtClean="0">
-                <a:latin typeface="Arial" charset="0"/>
-                <a:cs typeface="Arial" charset="0"/>
-              </a:rPr>
-              <a:t>Number</a:t>
-            </a:r>
-            <a:r>
-              <a:rPr lang="es-AR" sz="2000" i="1" dirty="0" smtClean="0">
-                <a:latin typeface="Arial" charset="0"/>
-                <a:cs typeface="Arial" charset="0"/>
-              </a:rPr>
-              <a:t>: Valida que el campo solamente contenga </a:t>
-            </a:r>
-            <a:r>
-              <a:rPr lang="es-AR" sz="2000" i="1" dirty="0" err="1" smtClean="0">
-                <a:latin typeface="Arial" charset="0"/>
-                <a:cs typeface="Arial" charset="0"/>
-              </a:rPr>
-              <a:t>numeros</a:t>
-            </a:r>
-            <a:endParaRPr lang="es-AR" sz="2000" i="1" dirty="0" smtClean="0">
-              <a:latin typeface="Arial" charset="0"/>
-              <a:cs typeface="Arial" charset="0"/>
-            </a:endParaRPr>
-          </a:p>
-          <a:p>
-            <a:pPr lvl="1">
-              <a:buBlip>
-                <a:blip r:embed="rId2"/>
-              </a:buBlip>
-            </a:pPr>
-            <a:r>
-              <a:rPr lang="es-AR" sz="2000" i="1" dirty="0" err="1" smtClean="0">
-                <a:latin typeface="Arial" charset="0"/>
-                <a:cs typeface="Arial" charset="0"/>
-              </a:rPr>
-              <a:t>Maxlength</a:t>
-            </a:r>
-            <a:r>
-              <a:rPr lang="es-AR" sz="2000" i="1" dirty="0" smtClean="0">
-                <a:latin typeface="Arial" charset="0"/>
-                <a:cs typeface="Arial" charset="0"/>
-              </a:rPr>
-              <a:t>: Valida la longitud </a:t>
-            </a:r>
-            <a:r>
-              <a:rPr lang="es-AR" sz="2000" i="1" dirty="0" err="1" smtClean="0">
-                <a:latin typeface="Arial" charset="0"/>
-                <a:cs typeface="Arial" charset="0"/>
-              </a:rPr>
-              <a:t>maxima</a:t>
-            </a:r>
-            <a:endParaRPr lang="es-AR" sz="2000" i="1" dirty="0" smtClean="0">
-              <a:latin typeface="Arial" charset="0"/>
-              <a:cs typeface="Arial" charset="0"/>
-            </a:endParaRPr>
-          </a:p>
-          <a:p>
-            <a:pPr lvl="1">
-              <a:buBlip>
-                <a:blip r:embed="rId2"/>
-              </a:buBlip>
-            </a:pPr>
-            <a:r>
-              <a:rPr lang="es-AR" sz="2000" i="1" dirty="0" err="1" smtClean="0"/>
-              <a:t>Minlength</a:t>
-            </a:r>
-            <a:r>
-              <a:rPr lang="es-AR" sz="2000" i="1" dirty="0" smtClean="0"/>
-              <a:t>: Valida la longitud </a:t>
-            </a:r>
-            <a:r>
-              <a:rPr lang="es-AR" sz="2000" i="1" dirty="0" err="1" smtClean="0"/>
-              <a:t>minima</a:t>
-            </a:r>
-            <a:endParaRPr lang="es-AR" sz="2000" i="1" dirty="0" smtClean="0"/>
-          </a:p>
-          <a:p>
-            <a:pPr lvl="1">
-              <a:buBlip>
-                <a:blip r:embed="rId2"/>
-              </a:buBlip>
-            </a:pPr>
-            <a:r>
-              <a:rPr lang="es-AR" sz="2000" i="1" dirty="0" smtClean="0"/>
-              <a:t>Email: </a:t>
-            </a:r>
-            <a:r>
-              <a:rPr lang="es-AR" sz="2000" i="1" dirty="0"/>
-              <a:t>Valida </a:t>
-            </a:r>
-            <a:r>
-              <a:rPr lang="es-AR" sz="2000" i="1" dirty="0" smtClean="0"/>
-              <a:t>que el campo tenga el formato de email.</a:t>
-            </a:r>
-          </a:p>
-          <a:p>
-            <a:pPr lvl="1">
-              <a:buBlip>
-                <a:blip r:embed="rId2"/>
-              </a:buBlip>
-            </a:pPr>
-            <a:r>
-              <a:rPr lang="es-AR" sz="2000" i="1" dirty="0" smtClean="0"/>
-              <a:t>Etc…</a:t>
-            </a:r>
-            <a:endParaRPr lang="es-AR" sz="2000" i="1" dirty="0"/>
-          </a:p>
-          <a:p>
-            <a:pPr lvl="1">
-              <a:buBlip>
-                <a:blip r:embed="rId2"/>
-              </a:buBlip>
-            </a:pPr>
-            <a:endParaRPr lang="es-AR" sz="2000" i="1" dirty="0" smtClean="0"/>
-          </a:p>
-          <a:p>
-            <a:pPr lvl="1">
-              <a:buBlip>
-                <a:blip r:embed="rId2"/>
-              </a:buBlip>
-            </a:pPr>
-            <a:endParaRPr lang="es-AR" sz="2000" i="1" dirty="0" smtClean="0"/>
-          </a:p>
-          <a:p>
-            <a:pPr>
-              <a:buBlip>
-                <a:blip r:embed="rId2"/>
-              </a:buBlip>
-            </a:pPr>
-            <a:r>
-              <a:rPr lang="es-AR" sz="2400" dirty="0" smtClean="0">
-                <a:latin typeface="Arial" charset="0"/>
-                <a:cs typeface="Arial" charset="0"/>
-              </a:rPr>
-              <a:t>Se pueden crear a su vez métodos de validación para las necesidades particulares de la lógica de negocio</a:t>
-            </a:r>
-            <a:endParaRPr lang="es-AR" sz="2400" dirty="0">
-              <a:latin typeface="Arial" charset="0"/>
-              <a:cs typeface="Arial" charset="0"/>
-            </a:endParaRPr>
-          </a:p>
-          <a:p>
-            <a:pPr>
-              <a:buBlip>
-                <a:blip r:embed="rId2"/>
-              </a:buBlip>
-            </a:pPr>
-            <a:endParaRPr lang="es-MX" sz="2400" dirty="0" smtClean="0">
-              <a:latin typeface="Arial" charset="0"/>
-              <a:cs typeface="Arial" charset="0"/>
-            </a:endParaRPr>
-          </a:p>
-          <a:p>
-            <a:pPr marL="0" indent="0">
-              <a:buNone/>
-            </a:pPr>
-            <a:endParaRPr lang="es-MX" sz="2400" dirty="0" smtClean="0">
-              <a:latin typeface="Arial" charset="0"/>
-              <a:cs typeface="Arial" charset="0"/>
-            </a:endParaRPr>
-          </a:p>
-          <a:p>
-            <a:pPr marL="0" indent="0">
-              <a:buNone/>
-            </a:pPr>
-            <a:endParaRPr lang="es-MX" sz="2400" dirty="0" smtClean="0">
-              <a:latin typeface="Arial" charset="0"/>
-              <a:cs typeface="Arial" charset="0"/>
-            </a:endParaRPr>
-          </a:p>
-          <a:p>
-            <a:pPr>
-              <a:buBlip>
-                <a:blip r:embed="rId2"/>
-              </a:buBlip>
-            </a:pPr>
-            <a:endParaRPr lang="es-MX" sz="2400" b="1" dirty="0">
-              <a:latin typeface="Arial" charset="0"/>
-              <a:cs typeface="Arial" charset="0"/>
-            </a:endParaRPr>
-          </a:p>
-          <a:p>
-            <a:pPr>
-              <a:buBlip>
-                <a:blip r:embed="rId2"/>
-              </a:buBlip>
-            </a:pPr>
-            <a:endParaRPr lang="es-MX" sz="2000" b="1" dirty="0" smtClean="0">
-              <a:latin typeface="Arial" charset="0"/>
-              <a:cs typeface="Arial" charset="0"/>
-            </a:endParaRPr>
-          </a:p>
-          <a:p>
-            <a:pPr lvl="1"/>
-            <a:endParaRPr lang="es-MX" sz="2000" dirty="0" smtClean="0">
-              <a:latin typeface="Arial" charset="0"/>
-              <a:cs typeface="Arial" charset="0"/>
-            </a:endParaRPr>
-          </a:p>
-          <a:p>
-            <a:endParaRPr lang="es-MX" sz="2400" dirty="0" smtClean="0">
-              <a:latin typeface="Arial" charset="0"/>
-              <a:cs typeface="Arial" charset="0"/>
-            </a:endParaRPr>
-          </a:p>
-          <a:p>
-            <a:endParaRPr lang="es-MX" sz="2400" dirty="0" smtClean="0">
-              <a:latin typeface="Arial" charset="0"/>
-              <a:cs typeface="Arial" charset="0"/>
-            </a:endParaRPr>
-          </a:p>
-        </p:txBody>
-      </p:sp>
-      <p:sp>
-        <p:nvSpPr>
-          <p:cNvPr id="18435" name="Title 4"/>
-          <p:cNvSpPr>
-            <a:spLocks noGrp="1"/>
-          </p:cNvSpPr>
-          <p:nvPr>
-            <p:ph type="title"/>
-          </p:nvPr>
-        </p:nvSpPr>
-        <p:spPr>
-          <a:xfrm>
-            <a:off x="457200" y="192088"/>
-            <a:ext cx="6131024" cy="1076672"/>
-          </a:xfrm>
-          <a:ln/>
-        </p:spPr>
-        <p:txBody>
-          <a:bodyPr/>
-          <a:lstStyle/>
-          <a:p>
-            <a:pPr algn="l"/>
-            <a:r>
-              <a:rPr lang="es-MX" sz="4000" dirty="0" err="1">
-                <a:solidFill>
-                  <a:schemeClr val="accent1"/>
-                </a:solidFill>
-                <a:latin typeface="Arial" charset="0"/>
-                <a:cs typeface="Arial" charset="0"/>
-              </a:rPr>
-              <a:t>Plugins</a:t>
-            </a:r>
-            <a:r>
-              <a:rPr lang="es-MX" sz="4000" dirty="0">
-                <a:solidFill>
-                  <a:schemeClr val="accent1"/>
-                </a:solidFill>
-                <a:latin typeface="Arial" charset="0"/>
-                <a:cs typeface="Arial" charset="0"/>
-              </a:rPr>
-              <a:t> de </a:t>
-            </a:r>
-            <a:r>
-              <a:rPr lang="es-MX" sz="4000" dirty="0" err="1">
-                <a:solidFill>
-                  <a:schemeClr val="accent1"/>
-                </a:solidFill>
-                <a:latin typeface="Arial" charset="0"/>
-                <a:cs typeface="Arial" charset="0"/>
-              </a:rPr>
-              <a:t>jQuery</a:t>
-            </a:r>
-            <a:r>
-              <a:rPr lang="es-MX" sz="4000" dirty="0">
-                <a:solidFill>
-                  <a:schemeClr val="accent1"/>
-                </a:solidFill>
-                <a:latin typeface="Arial" charset="0"/>
-                <a:cs typeface="Arial" charset="0"/>
-              </a:rPr>
-              <a:t/>
-            </a:r>
-            <a:br>
-              <a:rPr lang="es-MX" sz="4000" dirty="0">
-                <a:solidFill>
-                  <a:schemeClr val="accent1"/>
-                </a:solidFill>
-                <a:latin typeface="Arial" charset="0"/>
-                <a:cs typeface="Arial" charset="0"/>
-              </a:rPr>
-            </a:br>
-            <a:r>
-              <a:rPr lang="es-MX" sz="2400" u="sng" dirty="0">
-                <a:solidFill>
-                  <a:schemeClr val="accent1"/>
-                </a:solidFill>
-                <a:latin typeface="Arial" charset="0"/>
-                <a:cs typeface="Arial" charset="0"/>
-              </a:rPr>
-              <a:t>Validación de formularios</a:t>
-            </a:r>
-            <a:endParaRPr lang="es-MX" sz="2400" u="sng" dirty="0" smtClean="0">
-              <a:solidFill>
-                <a:schemeClr val="accent1"/>
-              </a:solidFill>
-              <a:latin typeface="Arial" charset="0"/>
-              <a:cs typeface="Arial" charset="0"/>
-            </a:endParaRPr>
-          </a:p>
-        </p:txBody>
-      </p:sp>
-      <p:sp>
-        <p:nvSpPr>
-          <p:cNvPr id="4" name="Slide Number Placeholder 3"/>
-          <p:cNvSpPr>
-            <a:spLocks noGrp="1"/>
-          </p:cNvSpPr>
-          <p:nvPr>
-            <p:ph type="sldNum" sz="quarter" idx="11"/>
-          </p:nvPr>
-        </p:nvSpPr>
-        <p:spPr/>
-        <p:txBody>
-          <a:bodyPr/>
-          <a:lstStyle/>
-          <a:p>
-            <a:pPr>
-              <a:defRPr/>
-            </a:pPr>
-            <a:fld id="{A8A81EB8-FB27-4579-BFBD-692F3399D043}" type="slidenum">
-              <a:rPr lang="es-MX" smtClean="0"/>
-              <a:pPr>
-                <a:defRPr/>
-              </a:pPr>
-              <a:t>56</a:t>
-            </a:fld>
-            <a:endParaRPr lang="es-MX"/>
-          </a:p>
-        </p:txBody>
-      </p:sp>
-      <p:sp>
-        <p:nvSpPr>
-          <p:cNvPr id="2" name="1 CuadroTexto"/>
-          <p:cNvSpPr txBox="1"/>
-          <p:nvPr/>
-        </p:nvSpPr>
-        <p:spPr>
-          <a:xfrm>
-            <a:off x="1475656" y="2996952"/>
-            <a:ext cx="72008" cy="369332"/>
-          </a:xfrm>
-          <a:prstGeom prst="rect">
-            <a:avLst/>
-          </a:prstGeom>
-          <a:noFill/>
-        </p:spPr>
-        <p:txBody>
-          <a:bodyPr wrap="square" rtlCol="0">
-            <a:spAutoFit/>
-          </a:bodyPr>
-          <a:lstStyle/>
-          <a:p>
-            <a:endParaRPr lang="es-AR" dirty="0"/>
-          </a:p>
-        </p:txBody>
-      </p:sp>
-    </p:spTree>
-    <p:extLst>
-      <p:ext uri="{BB962C8B-B14F-4D97-AF65-F5344CB8AC3E}">
-        <p14:creationId xmlns:p14="http://schemas.microsoft.com/office/powerpoint/2010/main" val="1699727452"/>
-      </p:ext>
-    </p:extLst>
-  </p:cSld>
-  <p:clrMapOvr>
-    <a:masterClrMapping/>
-  </p:clrMapOvr>
-  <p:timing>
-    <p:tnLst>
-      <p:par>
-        <p:cTn id="1" dur="indefinite" restart="never" nodeType="tmRoot"/>
-      </p:par>
-    </p:tnLst>
-  </p:timing>
-</p:sld>
-</file>
-
-<file path=ppt/slides/slide57.xml><?xml version="1.0" encoding="utf-8"?>
-<p:sld xmlns:a="http://schemas.openxmlformats.org/drawingml/2006/main" xmlns:r="http://schemas.openxmlformats.org/officeDocument/2006/relationships" xmlns:p="http://schemas.openxmlformats.org/presentationml/2006/main">
-  <p:cSld>
-    <p:spTree>
-      <p:nvGrpSpPr>
-        <p:cNvPr id="1" name=""/>
-        <p:cNvGrpSpPr/>
-        <p:nvPr/>
-      </p:nvGrpSpPr>
-      <p:grpSpPr>
-        <a:xfrm>
-          <a:off x="0" y="0"/>
-          <a:ext cx="0" cy="0"/>
-          <a:chOff x="0" y="0"/>
-          <a:chExt cx="0" cy="0"/>
-        </a:xfrm>
-      </p:grpSpPr>
-      <p:sp>
-        <p:nvSpPr>
-          <p:cNvPr id="19458" name="Title 4"/>
-          <p:cNvSpPr>
-            <a:spLocks noGrp="1"/>
-          </p:cNvSpPr>
-          <p:nvPr>
-            <p:ph type="ctrTitle"/>
-          </p:nvPr>
-        </p:nvSpPr>
-        <p:spPr bwMode="auto">
-          <a:xfrm>
-            <a:off x="820738" y="2979738"/>
-            <a:ext cx="7279654" cy="1066800"/>
-          </a:xfrm>
-          <a:noFill/>
-          <a:extLst>
-            <a:ext uri="{909E8E84-426E-40DD-AFC4-6F175D3DCCD1}">
-              <a14:hiddenFill xmlns:a14="http://schemas.microsoft.com/office/drawing/2010/main">
-                <a:solidFill>
-                  <a:srgbClr val="FFFFFF"/>
-                </a:solidFill>
-              </a14:hiddenFill>
-            </a:ext>
-            <a:ext uri="{91240B29-F687-4F45-9708-019B960494DF}">
-              <a14:hiddenLine xmlns:a14="http://schemas.microsoft.com/office/drawing/2010/main" w="9525">
-                <a:solidFill>
-                  <a:srgbClr val="000000"/>
-                </a:solidFill>
-                <a:miter lim="800000"/>
-                <a:headEnd/>
-                <a:tailEnd/>
-              </a14:hiddenLine>
-            </a:ext>
-          </a:extLst>
-        </p:spPr>
-        <p:txBody>
-          <a:bodyPr vert="horz" wrap="square" lIns="91440" tIns="45720" rIns="91440" bIns="45720" numCol="1" anchor="t" anchorCtr="0" compatLnSpc="1">
-            <a:prstTxWarp prst="textNoShape">
-              <a:avLst/>
-            </a:prstTxWarp>
-          </a:bodyPr>
-          <a:lstStyle/>
-          <a:p>
-            <a:r>
-              <a:rPr lang="es-MX" smtClean="0">
-                <a:solidFill>
-                  <a:srgbClr val="F57E1B"/>
-                </a:solidFill>
-                <a:latin typeface="Arial" charset="0"/>
-                <a:cs typeface="Arial" charset="0"/>
-              </a:rPr>
-              <a:t>Debugger Javascript</a:t>
-            </a:r>
-            <a:endParaRPr lang="es-MX" dirty="0" smtClean="0">
-              <a:latin typeface="Arial" charset="0"/>
-              <a:cs typeface="Arial" charset="0"/>
-            </a:endParaRPr>
-          </a:p>
-        </p:txBody>
-      </p:sp>
-      <p:sp>
-        <p:nvSpPr>
-          <p:cNvPr id="3" name="Slide Number Placeholder 2"/>
-          <p:cNvSpPr>
-            <a:spLocks noGrp="1"/>
-          </p:cNvSpPr>
-          <p:nvPr>
-            <p:ph type="sldNum" sz="quarter" idx="10"/>
-          </p:nvPr>
-        </p:nvSpPr>
-        <p:spPr/>
-        <p:txBody>
-          <a:bodyPr/>
-          <a:lstStyle/>
-          <a:p>
-            <a:pPr>
-              <a:defRPr/>
-            </a:pPr>
-            <a:fld id="{5ED851B2-8EE2-4B48-BFD1-20C8B2CD7D05}" type="slidenum">
-              <a:rPr lang="es-MX" smtClean="0"/>
-              <a:pPr>
-                <a:defRPr/>
-              </a:pPr>
-              <a:t>57</a:t>
-            </a:fld>
-            <a:endParaRPr lang="es-MX"/>
-          </a:p>
-        </p:txBody>
-      </p:sp>
-    </p:spTree>
-    <p:extLst>
-      <p:ext uri="{BB962C8B-B14F-4D97-AF65-F5344CB8AC3E}">
-        <p14:creationId xmlns:p14="http://schemas.microsoft.com/office/powerpoint/2010/main" val="3016512570"/>
-      </p:ext>
-    </p:extLst>
-  </p:cSld>
-  <p:clrMapOvr>
-    <a:masterClrMapping/>
-  </p:clrMapOvr>
-  <p:timing>
-    <p:tnLst>
-      <p:par>
-        <p:cTn id="1" dur="indefinite" restart="never" nodeType="tmRoot"/>
-      </p:par>
-    </p:tnLst>
-  </p:timing>
-</p:sld>
-</file>
-
-<file path=ppt/slides/slide58.xml><?xml version="1.0" encoding="utf-8"?>
-<p:sld xmlns:a="http://schemas.openxmlformats.org/drawingml/2006/main" xmlns:r="http://schemas.openxmlformats.org/officeDocument/2006/relationships" xmlns:p="http://schemas.openxmlformats.org/presentationml/2006/main">
-  <p:cSld>
-    <p:spTree>
-      <p:nvGrpSpPr>
-        <p:cNvPr id="1" name=""/>
-        <p:cNvGrpSpPr/>
-        <p:nvPr/>
-      </p:nvGrpSpPr>
-      <p:grpSpPr>
-        <a:xfrm>
-          <a:off x="0" y="0"/>
-          <a:ext cx="0" cy="0"/>
-          <a:chOff x="0" y="0"/>
-          <a:chExt cx="0" cy="0"/>
-        </a:xfrm>
-      </p:grpSpPr>
-      <p:sp>
-        <p:nvSpPr>
-          <p:cNvPr id="18434" name="Content Placeholder 5"/>
-          <p:cNvSpPr>
-            <a:spLocks noGrp="1"/>
-          </p:cNvSpPr>
-          <p:nvPr>
-            <p:ph sz="quarter" idx="10"/>
-          </p:nvPr>
-        </p:nvSpPr>
-        <p:spPr>
-          <a:xfrm>
-            <a:off x="461963" y="1339850"/>
-            <a:ext cx="8208962" cy="4965700"/>
-          </a:xfrm>
-        </p:spPr>
-        <p:txBody>
-          <a:bodyPr>
-            <a:normAutofit lnSpcReduction="10000"/>
-          </a:bodyPr>
-          <a:lstStyle/>
-          <a:p>
-            <a:pPr>
-              <a:buBlip>
-                <a:blip r:embed="rId2"/>
-              </a:buBlip>
-            </a:pPr>
-            <a:r>
-              <a:rPr lang="es-MX" sz="1600" b="1" smtClean="0"/>
-              <a:t>Debbugear código en:</a:t>
-            </a:r>
-          </a:p>
-          <a:p>
-            <a:pPr lvl="1">
-              <a:buBlip>
-                <a:blip r:embed="rId2"/>
-              </a:buBlip>
-            </a:pPr>
-            <a:r>
-              <a:rPr lang="es-MX" sz="1400" b="1" smtClean="0"/>
-              <a:t>Chrome</a:t>
-            </a:r>
-          </a:p>
-          <a:p>
-            <a:pPr lvl="1">
-              <a:buBlip>
-                <a:blip r:embed="rId2"/>
-              </a:buBlip>
-            </a:pPr>
-            <a:r>
-              <a:rPr lang="es-MX" sz="1400" b="1" smtClean="0"/>
-              <a:t>Internet Explorer</a:t>
-            </a:r>
-          </a:p>
-          <a:p>
-            <a:pPr lvl="1">
-              <a:buBlip>
-                <a:blip r:embed="rId2"/>
-              </a:buBlip>
-            </a:pPr>
-            <a:r>
-              <a:rPr lang="es-MX" sz="1400" b="1" smtClean="0"/>
-              <a:t>Firefox</a:t>
-            </a:r>
-          </a:p>
-          <a:p>
-            <a:pPr lvl="1">
-              <a:buBlip>
-                <a:blip r:embed="rId2"/>
-              </a:buBlip>
-            </a:pPr>
-            <a:endParaRPr lang="es-MX" sz="1400" b="1"/>
-          </a:p>
-          <a:p>
-            <a:pPr lvl="0">
-              <a:buBlip>
-                <a:blip r:embed="rId2"/>
-              </a:buBlip>
-            </a:pPr>
-            <a:r>
-              <a:rPr lang="es-AR" sz="1600" b="1"/>
-              <a:t>Ver / Cambiar valor de </a:t>
-            </a:r>
-            <a:r>
-              <a:rPr lang="es-AR" sz="1600" b="1" smtClean="0"/>
-              <a:t>variable.</a:t>
-            </a:r>
-          </a:p>
-          <a:p>
-            <a:pPr lvl="0">
-              <a:buBlip>
-                <a:blip r:embed="rId2"/>
-              </a:buBlip>
-            </a:pPr>
-            <a:endParaRPr lang="es-AR" sz="1600" b="1"/>
-          </a:p>
-          <a:p>
-            <a:pPr lvl="0">
-              <a:buBlip>
-                <a:blip r:embed="rId2"/>
-              </a:buBlip>
-            </a:pPr>
-            <a:r>
-              <a:rPr lang="es-AR" sz="1600" b="1"/>
-              <a:t>Cambiar atributo de un tag de </a:t>
-            </a:r>
-            <a:r>
-              <a:rPr lang="es-AR" sz="1600" b="1" smtClean="0"/>
-              <a:t>HTML</a:t>
-            </a:r>
-          </a:p>
-          <a:p>
-            <a:pPr lvl="0">
-              <a:buBlip>
-                <a:blip r:embed="rId2"/>
-              </a:buBlip>
-            </a:pPr>
-            <a:endParaRPr lang="es-AR" sz="1600" b="1"/>
-          </a:p>
-          <a:p>
-            <a:pPr lvl="0">
-              <a:buBlip>
-                <a:blip r:embed="rId2"/>
-              </a:buBlip>
-            </a:pPr>
-            <a:r>
-              <a:rPr lang="es-AR" sz="1600" b="1" smtClean="0"/>
-              <a:t>Inspeccionar elementos.</a:t>
-            </a:r>
-          </a:p>
-          <a:p>
-            <a:pPr lvl="0">
-              <a:buBlip>
-                <a:blip r:embed="rId2"/>
-              </a:buBlip>
-            </a:pPr>
-            <a:endParaRPr lang="es-AR" sz="1600" b="1"/>
-          </a:p>
-          <a:p>
-            <a:pPr lvl="0">
-              <a:buBlip>
-                <a:blip r:embed="rId2"/>
-              </a:buBlip>
-            </a:pPr>
-            <a:r>
-              <a:rPr lang="es-MX" sz="1600" b="1"/>
-              <a:t>Ver llamadas de </a:t>
-            </a:r>
-            <a:r>
-              <a:rPr lang="es-MX" sz="1600" b="1" smtClean="0"/>
-              <a:t>red:</a:t>
-            </a:r>
-          </a:p>
-          <a:p>
-            <a:pPr lvl="1">
-              <a:buBlip>
-                <a:blip r:embed="rId2"/>
-              </a:buBlip>
-            </a:pPr>
-            <a:r>
-              <a:rPr lang="es-AR" sz="1400" b="1"/>
-              <a:t>Ver las cookies de una </a:t>
-            </a:r>
-            <a:r>
-              <a:rPr lang="es-AR" sz="1400" b="1" smtClean="0"/>
-              <a:t>llamada</a:t>
-            </a:r>
-          </a:p>
-          <a:p>
-            <a:pPr lvl="1">
-              <a:buBlip>
-                <a:blip r:embed="rId2"/>
-              </a:buBlip>
-            </a:pPr>
-            <a:r>
-              <a:rPr lang="es-MX" sz="1400" b="1"/>
-              <a:t>Ver request y </a:t>
-            </a:r>
-            <a:r>
-              <a:rPr lang="es-MX" sz="1400" b="1" smtClean="0"/>
-              <a:t>response</a:t>
-            </a:r>
-          </a:p>
-          <a:p>
-            <a:pPr lvl="1">
-              <a:buBlip>
-                <a:blip r:embed="rId2"/>
-              </a:buBlip>
-            </a:pPr>
-            <a:r>
-              <a:rPr lang="es-AR" sz="1400" b="1"/>
-              <a:t>Ver header y content de la </a:t>
-            </a:r>
-            <a:r>
-              <a:rPr lang="es-AR" sz="1400" b="1" smtClean="0"/>
-              <a:t>página</a:t>
-            </a:r>
-          </a:p>
-          <a:p>
-            <a:pPr lvl="1">
-              <a:buBlip>
-                <a:blip r:embed="rId2"/>
-              </a:buBlip>
-            </a:pPr>
-            <a:endParaRPr lang="es-AR" sz="1400" b="1"/>
-          </a:p>
-          <a:p>
-            <a:pPr lvl="0">
-              <a:buBlip>
-                <a:blip r:embed="rId2"/>
-              </a:buBlip>
-            </a:pPr>
-            <a:r>
-              <a:rPr lang="es-MX" sz="1600" b="1" smtClean="0"/>
-              <a:t>Console.log</a:t>
-            </a:r>
-          </a:p>
-          <a:p>
-            <a:pPr marL="0" lvl="0" indent="0">
-              <a:buNone/>
-            </a:pPr>
-            <a:endParaRPr lang="es-MX" sz="1600" b="1"/>
-          </a:p>
-          <a:p>
-            <a:pPr lvl="0">
-              <a:buBlip>
-                <a:blip r:embed="rId2"/>
-              </a:buBlip>
-            </a:pPr>
-            <a:r>
-              <a:rPr lang="es-MX" sz="1600" b="1" smtClean="0"/>
-              <a:t>Comandos sobre  pestaña console</a:t>
-            </a:r>
-            <a:endParaRPr lang="es-MX" sz="1600" b="1"/>
-          </a:p>
-          <a:p>
-            <a:pPr marL="354013" lvl="1" indent="0">
-              <a:buNone/>
-            </a:pPr>
-            <a:endParaRPr lang="es-MX" sz="1400" b="1"/>
-          </a:p>
-          <a:p>
-            <a:pPr marL="354013" lvl="1" indent="0">
-              <a:buNone/>
-            </a:pPr>
-            <a:endParaRPr lang="es-MX" sz="1400" b="1" dirty="0"/>
-          </a:p>
-          <a:p>
-            <a:pPr marL="354013" lvl="1" indent="0">
-              <a:buNone/>
-            </a:pPr>
-            <a:endParaRPr lang="es-MX" sz="1400" b="1" dirty="0" smtClean="0"/>
-          </a:p>
-        </p:txBody>
-      </p:sp>
-      <p:sp>
-        <p:nvSpPr>
-          <p:cNvPr id="18435" name="Title 4"/>
-          <p:cNvSpPr>
-            <a:spLocks noGrp="1"/>
-          </p:cNvSpPr>
-          <p:nvPr>
-            <p:ph type="title"/>
-          </p:nvPr>
-        </p:nvSpPr>
-        <p:spPr>
-          <a:xfrm>
-            <a:off x="457200" y="192088"/>
-            <a:ext cx="7194550" cy="849312"/>
-          </a:xfrm>
-          <a:ln/>
-        </p:spPr>
-        <p:txBody>
-          <a:bodyPr/>
-          <a:lstStyle/>
-          <a:p>
-            <a:r>
-              <a:rPr lang="es-MX" dirty="0" err="1" smtClean="0">
-                <a:latin typeface="Arial" charset="0"/>
-                <a:cs typeface="Arial" charset="0"/>
-              </a:rPr>
-              <a:t>Javascript</a:t>
-            </a:r>
-            <a:r>
-              <a:rPr lang="es-MX" dirty="0" smtClean="0">
-                <a:latin typeface="Arial" charset="0"/>
-                <a:cs typeface="Arial" charset="0"/>
-              </a:rPr>
-              <a:t> </a:t>
-            </a:r>
-            <a:r>
-              <a:rPr lang="es-MX" dirty="0" err="1" smtClean="0">
-                <a:latin typeface="Arial" charset="0"/>
-                <a:cs typeface="Arial" charset="0"/>
-              </a:rPr>
-              <a:t>debugger</a:t>
-            </a:r>
-            <a:endParaRPr lang="es-MX" dirty="0" smtClean="0">
-              <a:latin typeface="Arial" charset="0"/>
-              <a:cs typeface="Arial" charset="0"/>
-            </a:endParaRPr>
-          </a:p>
-        </p:txBody>
-      </p:sp>
-      <p:sp>
-        <p:nvSpPr>
-          <p:cNvPr id="4" name="Slide Number Placeholder 3"/>
-          <p:cNvSpPr>
-            <a:spLocks noGrp="1"/>
-          </p:cNvSpPr>
-          <p:nvPr>
-            <p:ph type="sldNum" sz="quarter" idx="11"/>
-          </p:nvPr>
-        </p:nvSpPr>
-        <p:spPr/>
-        <p:txBody>
-          <a:bodyPr/>
-          <a:lstStyle/>
-          <a:p>
-            <a:pPr>
-              <a:defRPr/>
-            </a:pPr>
-            <a:fld id="{E52611A4-A5AF-4120-B3E9-E93F3FF22C7C}" type="slidenum">
-              <a:rPr lang="es-MX" smtClean="0"/>
-              <a:pPr>
-                <a:defRPr/>
-              </a:pPr>
-              <a:t>58</a:t>
-            </a:fld>
-            <a:endParaRPr lang="es-MX"/>
-          </a:p>
-        </p:txBody>
-      </p:sp>
-    </p:spTree>
-    <p:extLst>
-      <p:ext uri="{BB962C8B-B14F-4D97-AF65-F5344CB8AC3E}">
-        <p14:creationId xmlns:p14="http://schemas.microsoft.com/office/powerpoint/2010/main" val="163616885"/>
       </p:ext>
     </p:extLst>
   </p:cSld>
